--- a/sample-question/5장 – 문서 작성.pptx
+++ b/sample-question/5장 – 문서 작성.pptx
@@ -6,14 +6,20 @@
   </p:sldMasterIdLst>
   <p:sldIdLst>
     <p:sldId id="256" r:id="rId2"/>
-    <p:sldId id="271" r:id="rId3"/>
+    <p:sldId id="276" r:id="rId3"/>
     <p:sldId id="258" r:id="rId4"/>
     <p:sldId id="257" r:id="rId5"/>
-    <p:sldId id="272" r:id="rId6"/>
-    <p:sldId id="263" r:id="rId7"/>
-    <p:sldId id="264" r:id="rId8"/>
-    <p:sldId id="273" r:id="rId9"/>
-    <p:sldId id="274" r:id="rId10"/>
+    <p:sldId id="275" r:id="rId6"/>
+    <p:sldId id="277" r:id="rId7"/>
+    <p:sldId id="278" r:id="rId8"/>
+    <p:sldId id="279" r:id="rId9"/>
+    <p:sldId id="280" r:id="rId10"/>
+    <p:sldId id="281" r:id="rId11"/>
+    <p:sldId id="282" r:id="rId12"/>
+    <p:sldId id="283" r:id="rId13"/>
+    <p:sldId id="284" r:id="rId14"/>
+    <p:sldId id="285" r:id="rId15"/>
+    <p:sldId id="286" r:id="rId16"/>
   </p:sldIdLst>
   <p:sldSz cx="12192000" cy="6858000"/>
   <p:notesSz cx="6858000" cy="9144000"/>
@@ -267,7 +273,7 @@
           <a:p>
             <a:fld id="{DFBA07FC-6637-4A8A-A78F-F64A68FDB944}" type="datetimeFigureOut">
               <a:rPr lang="ko-KR" altLang="en-US" smtClean="0"/>
-              <a:t>2021-06-04</a:t>
+              <a:t>2021-06-09</a:t>
             </a:fld>
             <a:endParaRPr lang="ko-KR" altLang="en-US"/>
           </a:p>
@@ -465,7 +471,7 @@
           <a:p>
             <a:fld id="{DFBA07FC-6637-4A8A-A78F-F64A68FDB944}" type="datetimeFigureOut">
               <a:rPr lang="ko-KR" altLang="en-US" smtClean="0"/>
-              <a:t>2021-06-04</a:t>
+              <a:t>2021-06-09</a:t>
             </a:fld>
             <a:endParaRPr lang="ko-KR" altLang="en-US"/>
           </a:p>
@@ -673,7 +679,7 @@
           <a:p>
             <a:fld id="{DFBA07FC-6637-4A8A-A78F-F64A68FDB944}" type="datetimeFigureOut">
               <a:rPr lang="ko-KR" altLang="en-US" smtClean="0"/>
-              <a:t>2021-06-04</a:t>
+              <a:t>2021-06-09</a:t>
             </a:fld>
             <a:endParaRPr lang="ko-KR" altLang="en-US"/>
           </a:p>
@@ -871,7 +877,7 @@
           <a:p>
             <a:fld id="{DFBA07FC-6637-4A8A-A78F-F64A68FDB944}" type="datetimeFigureOut">
               <a:rPr lang="ko-KR" altLang="en-US" smtClean="0"/>
-              <a:t>2021-06-04</a:t>
+              <a:t>2021-06-09</a:t>
             </a:fld>
             <a:endParaRPr lang="ko-KR" altLang="en-US"/>
           </a:p>
@@ -1146,7 +1152,7 @@
           <a:p>
             <a:fld id="{DFBA07FC-6637-4A8A-A78F-F64A68FDB944}" type="datetimeFigureOut">
               <a:rPr lang="ko-KR" altLang="en-US" smtClean="0"/>
-              <a:t>2021-06-04</a:t>
+              <a:t>2021-06-09</a:t>
             </a:fld>
             <a:endParaRPr lang="ko-KR" altLang="en-US"/>
           </a:p>
@@ -1411,7 +1417,7 @@
           <a:p>
             <a:fld id="{DFBA07FC-6637-4A8A-A78F-F64A68FDB944}" type="datetimeFigureOut">
               <a:rPr lang="ko-KR" altLang="en-US" smtClean="0"/>
-              <a:t>2021-06-04</a:t>
+              <a:t>2021-06-09</a:t>
             </a:fld>
             <a:endParaRPr lang="ko-KR" altLang="en-US"/>
           </a:p>
@@ -1823,7 +1829,7 @@
           <a:p>
             <a:fld id="{DFBA07FC-6637-4A8A-A78F-F64A68FDB944}" type="datetimeFigureOut">
               <a:rPr lang="ko-KR" altLang="en-US" smtClean="0"/>
-              <a:t>2021-06-04</a:t>
+              <a:t>2021-06-09</a:t>
             </a:fld>
             <a:endParaRPr lang="ko-KR" altLang="en-US"/>
           </a:p>
@@ -1964,7 +1970,7 @@
           <a:p>
             <a:fld id="{DFBA07FC-6637-4A8A-A78F-F64A68FDB944}" type="datetimeFigureOut">
               <a:rPr lang="ko-KR" altLang="en-US" smtClean="0"/>
-              <a:t>2021-06-04</a:t>
+              <a:t>2021-06-09</a:t>
             </a:fld>
             <a:endParaRPr lang="ko-KR" altLang="en-US"/>
           </a:p>
@@ -2077,7 +2083,7 @@
           <a:p>
             <a:fld id="{DFBA07FC-6637-4A8A-A78F-F64A68FDB944}" type="datetimeFigureOut">
               <a:rPr lang="ko-KR" altLang="en-US" smtClean="0"/>
-              <a:t>2021-06-04</a:t>
+              <a:t>2021-06-09</a:t>
             </a:fld>
             <a:endParaRPr lang="ko-KR" altLang="en-US"/>
           </a:p>
@@ -2388,7 +2394,7 @@
           <a:p>
             <a:fld id="{DFBA07FC-6637-4A8A-A78F-F64A68FDB944}" type="datetimeFigureOut">
               <a:rPr lang="ko-KR" altLang="en-US" smtClean="0"/>
-              <a:t>2021-06-04</a:t>
+              <a:t>2021-06-09</a:t>
             </a:fld>
             <a:endParaRPr lang="ko-KR" altLang="en-US"/>
           </a:p>
@@ -2676,7 +2682,7 @@
           <a:p>
             <a:fld id="{DFBA07FC-6637-4A8A-A78F-F64A68FDB944}" type="datetimeFigureOut">
               <a:rPr lang="ko-KR" altLang="en-US" smtClean="0"/>
-              <a:t>2021-06-04</a:t>
+              <a:t>2021-06-09</a:t>
             </a:fld>
             <a:endParaRPr lang="ko-KR" altLang="en-US"/>
           </a:p>
@@ -2917,7 +2923,7 @@
           <a:p>
             <a:fld id="{DFBA07FC-6637-4A8A-A78F-F64A68FDB944}" type="datetimeFigureOut">
               <a:rPr lang="ko-KR" altLang="en-US" smtClean="0"/>
-              <a:t>2021-06-04</a:t>
+              <a:t>2021-06-09</a:t>
             </a:fld>
             <a:endParaRPr lang="ko-KR" altLang="en-US"/>
           </a:p>
@@ -3350,7 +3356,12 @@
             <p:ph type="ctrTitle"/>
           </p:nvPr>
         </p:nvSpPr>
-        <p:spPr/>
+        <p:spPr>
+          <a:xfrm>
+            <a:off x="1231900" y="1122363"/>
+            <a:ext cx="9728200" cy="2387600"/>
+          </a:xfrm>
+        </p:spPr>
         <p:txBody>
           <a:bodyPr>
             <a:normAutofit/>
@@ -3363,7 +3374,23 @@
                 <a:ea typeface="KoPubWorld돋움체 Bold" panose="00000800000000000000" pitchFamily="2" charset="-127"/>
                 <a:cs typeface="KoPubWorld돋움체 Bold" panose="00000800000000000000" pitchFamily="2" charset="-127"/>
               </a:rPr>
-              <a:t>5</a:t>
+              <a:t>12</a:t>
+            </a:r>
+            <a:r>
+              <a:rPr lang="ko-KR" altLang="en-US" sz="5400" dirty="0">
+                <a:latin typeface="KoPubWorld돋움체 Bold" panose="00000800000000000000" pitchFamily="2" charset="-127"/>
+                <a:ea typeface="KoPubWorld돋움체 Bold" panose="00000800000000000000" pitchFamily="2" charset="-127"/>
+                <a:cs typeface="KoPubWorld돋움체 Bold" panose="00000800000000000000" pitchFamily="2" charset="-127"/>
+              </a:rPr>
+              <a:t>장</a:t>
+            </a:r>
+            <a:r>
+              <a:rPr lang="en-US" altLang="ko-KR" sz="5400" dirty="0">
+                <a:latin typeface="KoPubWorld돋움체 Bold" panose="00000800000000000000" pitchFamily="2" charset="-127"/>
+                <a:ea typeface="KoPubWorld돋움체 Bold" panose="00000800000000000000" pitchFamily="2" charset="-127"/>
+                <a:cs typeface="KoPubWorld돋움체 Bold" panose="00000800000000000000" pitchFamily="2" charset="-127"/>
+              </a:rPr>
+              <a:t>, 13</a:t>
             </a:r>
             <a:r>
               <a:rPr lang="ko-KR" altLang="en-US" sz="5400" dirty="0">
@@ -3379,7 +3406,7 @@
                 <a:ea typeface="KoPubWorld돋움체 Bold" panose="00000800000000000000" pitchFamily="2" charset="-127"/>
                 <a:cs typeface="KoPubWorld돋움체 Bold" panose="00000800000000000000" pitchFamily="2" charset="-127"/>
               </a:rPr>
-              <a:t>– </a:t>
+              <a:t>– R</a:t>
             </a:r>
             <a:r>
               <a:rPr lang="ko-KR" altLang="en-US" sz="5400" dirty="0">
@@ -3387,7 +3414,7 @@
                 <a:ea typeface="KoPubWorld돋움체 Bold" panose="00000800000000000000" pitchFamily="2" charset="-127"/>
                 <a:cs typeface="KoPubWorld돋움체 Bold" panose="00000800000000000000" pitchFamily="2" charset="-127"/>
               </a:rPr>
-              <a:t>문서 작성</a:t>
+              <a:t>을 활용한 자료분석</a:t>
             </a:r>
           </a:p>
         </p:txBody>
@@ -3555,6 +3582,1079 @@
     <p:extLst>
       <p:ext uri="{BB962C8B-B14F-4D97-AF65-F5344CB8AC3E}">
         <p14:creationId xmlns:p14="http://schemas.microsoft.com/office/powerpoint/2010/main" val="2331430772"/>
+      </p:ext>
+    </p:extLst>
+  </p:cSld>
+  <p:clrMapOvr>
+    <a:masterClrMapping/>
+  </p:clrMapOvr>
+</p:sld>
+</file>
+
+<file path=ppt/slides/slide10.xml><?xml version="1.0" encoding="utf-8"?>
+<p:sld xmlns:a="http://schemas.openxmlformats.org/drawingml/2006/main" xmlns:r="http://schemas.openxmlformats.org/officeDocument/2006/relationships" xmlns:p="http://schemas.openxmlformats.org/presentationml/2006/main">
+  <p:cSld>
+    <p:spTree>
+      <p:nvGrpSpPr>
+        <p:cNvPr id="1" name=""/>
+        <p:cNvGrpSpPr/>
+        <p:nvPr/>
+      </p:nvGrpSpPr>
+      <p:grpSpPr>
+        <a:xfrm>
+          <a:off x="0" y="0"/>
+          <a:ext cx="0" cy="0"/>
+          <a:chOff x="0" y="0"/>
+          <a:chExt cx="0" cy="0"/>
+        </a:xfrm>
+      </p:grpSpPr>
+      <p:sp>
+        <p:nvSpPr>
+          <p:cNvPr id="11" name="TextBox 10">
+            <a:extLst>
+              <a:ext uri="{FF2B5EF4-FFF2-40B4-BE49-F238E27FC236}">
+                <a16:creationId xmlns:a16="http://schemas.microsoft.com/office/drawing/2014/main" id="{9E5CE124-DF38-4DA2-8711-48CAF6EBD1A3}"/>
+              </a:ext>
+            </a:extLst>
+          </p:cNvPr>
+          <p:cNvSpPr txBox="1"/>
+          <p:nvPr/>
+        </p:nvSpPr>
+        <p:spPr>
+          <a:xfrm>
+            <a:off x="92476" y="113825"/>
+            <a:ext cx="5010747" cy="369332"/>
+          </a:xfrm>
+          <a:prstGeom prst="rect">
+            <a:avLst/>
+          </a:prstGeom>
+          <a:noFill/>
+        </p:spPr>
+        <p:txBody>
+          <a:bodyPr wrap="square" rtlCol="0">
+            <a:spAutoFit/>
+          </a:bodyPr>
+          <a:lstStyle/>
+          <a:p>
+            <a:r>
+              <a:rPr lang="en-US" altLang="ko-KR" dirty="0"/>
+              <a:t>2019 </a:t>
+            </a:r>
+            <a:r>
+              <a:rPr lang="ko-KR" altLang="en-US" dirty="0"/>
+              <a:t>동계</a:t>
+            </a:r>
+            <a:r>
+              <a:rPr lang="en-US" altLang="ko-KR" dirty="0"/>
+              <a:t>, 2019 1</a:t>
+            </a:r>
+            <a:r>
+              <a:rPr lang="ko-KR" altLang="en-US" dirty="0"/>
+              <a:t>학기</a:t>
+            </a:r>
+            <a:r>
+              <a:rPr lang="en-US" altLang="ko-KR" dirty="0"/>
+              <a:t>, 2018 </a:t>
+            </a:r>
+            <a:r>
+              <a:rPr lang="ko-KR" altLang="en-US" dirty="0"/>
+              <a:t>동계</a:t>
+            </a:r>
+            <a:r>
+              <a:rPr lang="en-US" altLang="ko-KR" dirty="0"/>
+              <a:t>, 2018 1</a:t>
+            </a:r>
+            <a:r>
+              <a:rPr lang="ko-KR" altLang="en-US" dirty="0"/>
+              <a:t>학기</a:t>
+            </a:r>
+            <a:endParaRPr lang="en-US" altLang="ko-KR" dirty="0"/>
+          </a:p>
+        </p:txBody>
+      </p:sp>
+      <p:pic>
+        <p:nvPicPr>
+          <p:cNvPr id="3" name="그림 2">
+            <a:extLst>
+              <a:ext uri="{FF2B5EF4-FFF2-40B4-BE49-F238E27FC236}">
+                <a16:creationId xmlns:a16="http://schemas.microsoft.com/office/drawing/2014/main" id="{D0B3A15F-016D-45E9-AC4E-41F32C725CC7}"/>
+              </a:ext>
+            </a:extLst>
+          </p:cNvPr>
+          <p:cNvPicPr>
+            <a:picLocks noChangeAspect="1"/>
+          </p:cNvPicPr>
+          <p:nvPr/>
+        </p:nvPicPr>
+        <p:blipFill>
+          <a:blip r:embed="rId2">
+            <a:extLst>
+              <a:ext uri="{28A0092B-C50C-407E-A947-70E740481C1C}">
+                <a14:useLocalDpi xmlns:a14="http://schemas.microsoft.com/office/drawing/2010/main" val="0"/>
+              </a:ext>
+            </a:extLst>
+          </a:blip>
+          <a:stretch>
+            <a:fillRect/>
+          </a:stretch>
+        </p:blipFill>
+        <p:spPr>
+          <a:xfrm>
+            <a:off x="189676" y="1328572"/>
+            <a:ext cx="5906324" cy="2372056"/>
+          </a:xfrm>
+          <a:prstGeom prst="rect">
+            <a:avLst/>
+          </a:prstGeom>
+        </p:spPr>
+      </p:pic>
+      <p:pic>
+        <p:nvPicPr>
+          <p:cNvPr id="6" name="그림 5">
+            <a:extLst>
+              <a:ext uri="{FF2B5EF4-FFF2-40B4-BE49-F238E27FC236}">
+                <a16:creationId xmlns:a16="http://schemas.microsoft.com/office/drawing/2014/main" id="{C5A318CE-2B8D-4C37-8EB3-F0DC1F320B49}"/>
+              </a:ext>
+            </a:extLst>
+          </p:cNvPr>
+          <p:cNvPicPr>
+            <a:picLocks noChangeAspect="1"/>
+          </p:cNvPicPr>
+          <p:nvPr/>
+        </p:nvPicPr>
+        <p:blipFill>
+          <a:blip r:embed="rId3">
+            <a:extLst>
+              <a:ext uri="{28A0092B-C50C-407E-A947-70E740481C1C}">
+                <a14:useLocalDpi xmlns:a14="http://schemas.microsoft.com/office/drawing/2010/main" val="0"/>
+              </a:ext>
+            </a:extLst>
+          </a:blip>
+          <a:stretch>
+            <a:fillRect/>
+          </a:stretch>
+        </p:blipFill>
+        <p:spPr>
+          <a:xfrm>
+            <a:off x="6222999" y="1455572"/>
+            <a:ext cx="5906325" cy="1742034"/>
+          </a:xfrm>
+          <a:prstGeom prst="rect">
+            <a:avLst/>
+          </a:prstGeom>
+        </p:spPr>
+      </p:pic>
+      <p:pic>
+        <p:nvPicPr>
+          <p:cNvPr id="8" name="그림 7">
+            <a:extLst>
+              <a:ext uri="{FF2B5EF4-FFF2-40B4-BE49-F238E27FC236}">
+                <a16:creationId xmlns:a16="http://schemas.microsoft.com/office/drawing/2014/main" id="{8F600931-EB31-4087-9387-DDB040E49EF8}"/>
+              </a:ext>
+            </a:extLst>
+          </p:cNvPr>
+          <p:cNvPicPr>
+            <a:picLocks noChangeAspect="1"/>
+          </p:cNvPicPr>
+          <p:nvPr/>
+        </p:nvPicPr>
+        <p:blipFill>
+          <a:blip r:embed="rId4">
+            <a:extLst>
+              <a:ext uri="{28A0092B-C50C-407E-A947-70E740481C1C}">
+                <a14:useLocalDpi xmlns:a14="http://schemas.microsoft.com/office/drawing/2010/main" val="0"/>
+              </a:ext>
+            </a:extLst>
+          </a:blip>
+          <a:stretch>
+            <a:fillRect/>
+          </a:stretch>
+        </p:blipFill>
+        <p:spPr>
+          <a:xfrm>
+            <a:off x="330201" y="4014242"/>
+            <a:ext cx="5765800" cy="2034583"/>
+          </a:xfrm>
+          <a:prstGeom prst="rect">
+            <a:avLst/>
+          </a:prstGeom>
+        </p:spPr>
+      </p:pic>
+      <p:pic>
+        <p:nvPicPr>
+          <p:cNvPr id="10" name="그림 9">
+            <a:extLst>
+              <a:ext uri="{FF2B5EF4-FFF2-40B4-BE49-F238E27FC236}">
+                <a16:creationId xmlns:a16="http://schemas.microsoft.com/office/drawing/2014/main" id="{E4002A12-078E-4943-85E3-72751D5A0C9F}"/>
+              </a:ext>
+            </a:extLst>
+          </p:cNvPr>
+          <p:cNvPicPr>
+            <a:picLocks noChangeAspect="1"/>
+          </p:cNvPicPr>
+          <p:nvPr/>
+        </p:nvPicPr>
+        <p:blipFill>
+          <a:blip r:embed="rId5">
+            <a:extLst>
+              <a:ext uri="{28A0092B-C50C-407E-A947-70E740481C1C}">
+                <a14:useLocalDpi xmlns:a14="http://schemas.microsoft.com/office/drawing/2010/main" val="0"/>
+              </a:ext>
+            </a:extLst>
+          </a:blip>
+          <a:stretch>
+            <a:fillRect/>
+          </a:stretch>
+        </p:blipFill>
+        <p:spPr>
+          <a:xfrm>
+            <a:off x="6222999" y="4014242"/>
+            <a:ext cx="5549899" cy="1964746"/>
+          </a:xfrm>
+          <a:prstGeom prst="rect">
+            <a:avLst/>
+          </a:prstGeom>
+        </p:spPr>
+      </p:pic>
+    </p:spTree>
+    <p:extLst>
+      <p:ext uri="{BB962C8B-B14F-4D97-AF65-F5344CB8AC3E}">
+        <p14:creationId xmlns:p14="http://schemas.microsoft.com/office/powerpoint/2010/main" val="532652451"/>
+      </p:ext>
+    </p:extLst>
+  </p:cSld>
+  <p:clrMapOvr>
+    <a:masterClrMapping/>
+  </p:clrMapOvr>
+</p:sld>
+</file>
+
+<file path=ppt/slides/slide11.xml><?xml version="1.0" encoding="utf-8"?>
+<p:sld xmlns:a="http://schemas.openxmlformats.org/drawingml/2006/main" xmlns:r="http://schemas.openxmlformats.org/officeDocument/2006/relationships" xmlns:p="http://schemas.openxmlformats.org/presentationml/2006/main">
+  <p:cSld>
+    <p:spTree>
+      <p:nvGrpSpPr>
+        <p:cNvPr id="1" name=""/>
+        <p:cNvGrpSpPr/>
+        <p:nvPr/>
+      </p:nvGrpSpPr>
+      <p:grpSpPr>
+        <a:xfrm>
+          <a:off x="0" y="0"/>
+          <a:ext cx="0" cy="0"/>
+          <a:chOff x="0" y="0"/>
+          <a:chExt cx="0" cy="0"/>
+        </a:xfrm>
+      </p:grpSpPr>
+      <p:sp>
+        <p:nvSpPr>
+          <p:cNvPr id="11" name="TextBox 10">
+            <a:extLst>
+              <a:ext uri="{FF2B5EF4-FFF2-40B4-BE49-F238E27FC236}">
+                <a16:creationId xmlns:a16="http://schemas.microsoft.com/office/drawing/2014/main" id="{9E5CE124-DF38-4DA2-8711-48CAF6EBD1A3}"/>
+              </a:ext>
+            </a:extLst>
+          </p:cNvPr>
+          <p:cNvSpPr txBox="1"/>
+          <p:nvPr/>
+        </p:nvSpPr>
+        <p:spPr>
+          <a:xfrm>
+            <a:off x="92476" y="113825"/>
+            <a:ext cx="5010747" cy="369332"/>
+          </a:xfrm>
+          <a:prstGeom prst="rect">
+            <a:avLst/>
+          </a:prstGeom>
+          <a:noFill/>
+        </p:spPr>
+        <p:txBody>
+          <a:bodyPr wrap="square" rtlCol="0">
+            <a:spAutoFit/>
+          </a:bodyPr>
+          <a:lstStyle/>
+          <a:p>
+            <a:r>
+              <a:rPr lang="en-US" altLang="ko-KR" dirty="0"/>
+              <a:t>2017 </a:t>
+            </a:r>
+            <a:r>
+              <a:rPr lang="ko-KR" altLang="en-US" dirty="0"/>
+              <a:t>동계</a:t>
+            </a:r>
+            <a:endParaRPr lang="en-US" altLang="ko-KR" dirty="0"/>
+          </a:p>
+        </p:txBody>
+      </p:sp>
+      <p:pic>
+        <p:nvPicPr>
+          <p:cNvPr id="4" name="그림 3">
+            <a:extLst>
+              <a:ext uri="{FF2B5EF4-FFF2-40B4-BE49-F238E27FC236}">
+                <a16:creationId xmlns:a16="http://schemas.microsoft.com/office/drawing/2014/main" id="{E01F9181-E554-4A8D-8FD6-0B38F5A8ABE5}"/>
+              </a:ext>
+            </a:extLst>
+          </p:cNvPr>
+          <p:cNvPicPr>
+            <a:picLocks noChangeAspect="1"/>
+          </p:cNvPicPr>
+          <p:nvPr/>
+        </p:nvPicPr>
+        <p:blipFill>
+          <a:blip r:embed="rId2">
+            <a:extLst>
+              <a:ext uri="{28A0092B-C50C-407E-A947-70E740481C1C}">
+                <a14:useLocalDpi xmlns:a14="http://schemas.microsoft.com/office/drawing/2010/main" val="0"/>
+              </a:ext>
+            </a:extLst>
+          </a:blip>
+          <a:stretch>
+            <a:fillRect/>
+          </a:stretch>
+        </p:blipFill>
+        <p:spPr>
+          <a:xfrm>
+            <a:off x="382143" y="2200103"/>
+            <a:ext cx="6373114" cy="2457793"/>
+          </a:xfrm>
+          <a:prstGeom prst="rect">
+            <a:avLst/>
+          </a:prstGeom>
+        </p:spPr>
+      </p:pic>
+    </p:spTree>
+    <p:extLst>
+      <p:ext uri="{BB962C8B-B14F-4D97-AF65-F5344CB8AC3E}">
+        <p14:creationId xmlns:p14="http://schemas.microsoft.com/office/powerpoint/2010/main" val="3606135214"/>
+      </p:ext>
+    </p:extLst>
+  </p:cSld>
+  <p:clrMapOvr>
+    <a:masterClrMapping/>
+  </p:clrMapOvr>
+</p:sld>
+</file>
+
+<file path=ppt/slides/slide12.xml><?xml version="1.0" encoding="utf-8"?>
+<p:sld xmlns:a="http://schemas.openxmlformats.org/drawingml/2006/main" xmlns:r="http://schemas.openxmlformats.org/officeDocument/2006/relationships" xmlns:p="http://schemas.openxmlformats.org/presentationml/2006/main">
+  <p:cSld>
+    <p:spTree>
+      <p:nvGrpSpPr>
+        <p:cNvPr id="1" name=""/>
+        <p:cNvGrpSpPr/>
+        <p:nvPr/>
+      </p:nvGrpSpPr>
+      <p:grpSpPr>
+        <a:xfrm>
+          <a:off x="0" y="0"/>
+          <a:ext cx="0" cy="0"/>
+          <a:chOff x="0" y="0"/>
+          <a:chExt cx="0" cy="0"/>
+        </a:xfrm>
+      </p:grpSpPr>
+      <p:sp>
+        <p:nvSpPr>
+          <p:cNvPr id="11" name="TextBox 10">
+            <a:extLst>
+              <a:ext uri="{FF2B5EF4-FFF2-40B4-BE49-F238E27FC236}">
+                <a16:creationId xmlns:a16="http://schemas.microsoft.com/office/drawing/2014/main" id="{9E5CE124-DF38-4DA2-8711-48CAF6EBD1A3}"/>
+              </a:ext>
+            </a:extLst>
+          </p:cNvPr>
+          <p:cNvSpPr txBox="1"/>
+          <p:nvPr/>
+        </p:nvSpPr>
+        <p:spPr>
+          <a:xfrm>
+            <a:off x="92476" y="113825"/>
+            <a:ext cx="5010747" cy="369332"/>
+          </a:xfrm>
+          <a:prstGeom prst="rect">
+            <a:avLst/>
+          </a:prstGeom>
+          <a:noFill/>
+        </p:spPr>
+        <p:txBody>
+          <a:bodyPr wrap="square" rtlCol="0">
+            <a:spAutoFit/>
+          </a:bodyPr>
+          <a:lstStyle/>
+          <a:p>
+            <a:r>
+              <a:rPr lang="en-US" altLang="ko-KR" dirty="0"/>
+              <a:t>2019 </a:t>
+            </a:r>
+            <a:r>
+              <a:rPr lang="ko-KR" altLang="en-US" dirty="0"/>
+              <a:t>동계</a:t>
+            </a:r>
+            <a:r>
+              <a:rPr lang="en-US" altLang="ko-KR" dirty="0"/>
+              <a:t>, 2019 1</a:t>
+            </a:r>
+            <a:r>
+              <a:rPr lang="ko-KR" altLang="en-US" dirty="0"/>
+              <a:t>학기</a:t>
+            </a:r>
+            <a:r>
+              <a:rPr lang="en-US" altLang="ko-KR" dirty="0"/>
+              <a:t>, 2018 </a:t>
+            </a:r>
+            <a:r>
+              <a:rPr lang="ko-KR" altLang="en-US" dirty="0"/>
+              <a:t>동계</a:t>
+            </a:r>
+            <a:r>
+              <a:rPr lang="en-US" altLang="ko-KR" dirty="0"/>
+              <a:t>, 2018 1</a:t>
+            </a:r>
+            <a:r>
+              <a:rPr lang="ko-KR" altLang="en-US" dirty="0"/>
+              <a:t>학기</a:t>
+            </a:r>
+            <a:endParaRPr lang="en-US" altLang="ko-KR" dirty="0"/>
+          </a:p>
+        </p:txBody>
+      </p:sp>
+      <p:pic>
+        <p:nvPicPr>
+          <p:cNvPr id="4" name="그림 3">
+            <a:extLst>
+              <a:ext uri="{FF2B5EF4-FFF2-40B4-BE49-F238E27FC236}">
+                <a16:creationId xmlns:a16="http://schemas.microsoft.com/office/drawing/2014/main" id="{363119BE-5738-4901-967A-9B6FC5F9F6FA}"/>
+              </a:ext>
+            </a:extLst>
+          </p:cNvPr>
+          <p:cNvPicPr>
+            <a:picLocks noChangeAspect="1"/>
+          </p:cNvPicPr>
+          <p:nvPr/>
+        </p:nvPicPr>
+        <p:blipFill>
+          <a:blip r:embed="rId2">
+            <a:extLst>
+              <a:ext uri="{28A0092B-C50C-407E-A947-70E740481C1C}">
+                <a14:useLocalDpi xmlns:a14="http://schemas.microsoft.com/office/drawing/2010/main" val="0"/>
+              </a:ext>
+            </a:extLst>
+          </a:blip>
+          <a:stretch>
+            <a:fillRect/>
+          </a:stretch>
+        </p:blipFill>
+        <p:spPr>
+          <a:xfrm>
+            <a:off x="288988" y="941225"/>
+            <a:ext cx="5432779" cy="2119476"/>
+          </a:xfrm>
+          <a:prstGeom prst="rect">
+            <a:avLst/>
+          </a:prstGeom>
+        </p:spPr>
+      </p:pic>
+      <p:pic>
+        <p:nvPicPr>
+          <p:cNvPr id="7" name="그림 6">
+            <a:extLst>
+              <a:ext uri="{FF2B5EF4-FFF2-40B4-BE49-F238E27FC236}">
+                <a16:creationId xmlns:a16="http://schemas.microsoft.com/office/drawing/2014/main" id="{201AAE53-DB45-4C5D-8256-DC975E88F84F}"/>
+              </a:ext>
+            </a:extLst>
+          </p:cNvPr>
+          <p:cNvPicPr>
+            <a:picLocks noChangeAspect="1"/>
+          </p:cNvPicPr>
+          <p:nvPr/>
+        </p:nvPicPr>
+        <p:blipFill>
+          <a:blip r:embed="rId3">
+            <a:extLst>
+              <a:ext uri="{28A0092B-C50C-407E-A947-70E740481C1C}">
+                <a14:useLocalDpi xmlns:a14="http://schemas.microsoft.com/office/drawing/2010/main" val="0"/>
+              </a:ext>
+            </a:extLst>
+          </a:blip>
+          <a:stretch>
+            <a:fillRect/>
+          </a:stretch>
+        </p:blipFill>
+        <p:spPr>
+          <a:xfrm>
+            <a:off x="5909713" y="1007530"/>
+            <a:ext cx="5993299" cy="1986865"/>
+          </a:xfrm>
+          <a:prstGeom prst="rect">
+            <a:avLst/>
+          </a:prstGeom>
+        </p:spPr>
+      </p:pic>
+      <p:pic>
+        <p:nvPicPr>
+          <p:cNvPr id="12" name="그림 11">
+            <a:extLst>
+              <a:ext uri="{FF2B5EF4-FFF2-40B4-BE49-F238E27FC236}">
+                <a16:creationId xmlns:a16="http://schemas.microsoft.com/office/drawing/2014/main" id="{AE09A104-A262-4AC3-B402-5D0B81AAFCF7}"/>
+              </a:ext>
+            </a:extLst>
+          </p:cNvPr>
+          <p:cNvPicPr>
+            <a:picLocks noChangeAspect="1"/>
+          </p:cNvPicPr>
+          <p:nvPr/>
+        </p:nvPicPr>
+        <p:blipFill>
+          <a:blip r:embed="rId4">
+            <a:extLst>
+              <a:ext uri="{28A0092B-C50C-407E-A947-70E740481C1C}">
+                <a14:useLocalDpi xmlns:a14="http://schemas.microsoft.com/office/drawing/2010/main" val="0"/>
+              </a:ext>
+            </a:extLst>
+          </a:blip>
+          <a:stretch>
+            <a:fillRect/>
+          </a:stretch>
+        </p:blipFill>
+        <p:spPr>
+          <a:xfrm>
+            <a:off x="288988" y="3760166"/>
+            <a:ext cx="5620725" cy="1878079"/>
+          </a:xfrm>
+          <a:prstGeom prst="rect">
+            <a:avLst/>
+          </a:prstGeom>
+        </p:spPr>
+      </p:pic>
+      <p:pic>
+        <p:nvPicPr>
+          <p:cNvPr id="14" name="그림 13">
+            <a:extLst>
+              <a:ext uri="{FF2B5EF4-FFF2-40B4-BE49-F238E27FC236}">
+                <a16:creationId xmlns:a16="http://schemas.microsoft.com/office/drawing/2014/main" id="{A3147BE2-791A-4570-8950-58C4C62E6342}"/>
+              </a:ext>
+            </a:extLst>
+          </p:cNvPr>
+          <p:cNvPicPr>
+            <a:picLocks noChangeAspect="1"/>
+          </p:cNvPicPr>
+          <p:nvPr/>
+        </p:nvPicPr>
+        <p:blipFill>
+          <a:blip r:embed="rId5">
+            <a:extLst>
+              <a:ext uri="{28A0092B-C50C-407E-A947-70E740481C1C}">
+                <a14:useLocalDpi xmlns:a14="http://schemas.microsoft.com/office/drawing/2010/main" val="0"/>
+              </a:ext>
+            </a:extLst>
+          </a:blip>
+          <a:stretch>
+            <a:fillRect/>
+          </a:stretch>
+        </p:blipFill>
+        <p:spPr>
+          <a:xfrm>
+            <a:off x="5909713" y="3709010"/>
+            <a:ext cx="6087026" cy="2141460"/>
+          </a:xfrm>
+          <a:prstGeom prst="rect">
+            <a:avLst/>
+          </a:prstGeom>
+        </p:spPr>
+      </p:pic>
+    </p:spTree>
+    <p:extLst>
+      <p:ext uri="{BB962C8B-B14F-4D97-AF65-F5344CB8AC3E}">
+        <p14:creationId xmlns:p14="http://schemas.microsoft.com/office/powerpoint/2010/main" val="2681635653"/>
+      </p:ext>
+    </p:extLst>
+  </p:cSld>
+  <p:clrMapOvr>
+    <a:masterClrMapping/>
+  </p:clrMapOvr>
+</p:sld>
+</file>
+
+<file path=ppt/slides/slide13.xml><?xml version="1.0" encoding="utf-8"?>
+<p:sld xmlns:a="http://schemas.openxmlformats.org/drawingml/2006/main" xmlns:r="http://schemas.openxmlformats.org/officeDocument/2006/relationships" xmlns:p="http://schemas.openxmlformats.org/presentationml/2006/main">
+  <p:cSld>
+    <p:spTree>
+      <p:nvGrpSpPr>
+        <p:cNvPr id="1" name=""/>
+        <p:cNvGrpSpPr/>
+        <p:nvPr/>
+      </p:nvGrpSpPr>
+      <p:grpSpPr>
+        <a:xfrm>
+          <a:off x="0" y="0"/>
+          <a:ext cx="0" cy="0"/>
+          <a:chOff x="0" y="0"/>
+          <a:chExt cx="0" cy="0"/>
+        </a:xfrm>
+      </p:grpSpPr>
+      <p:sp>
+        <p:nvSpPr>
+          <p:cNvPr id="11" name="TextBox 10">
+            <a:extLst>
+              <a:ext uri="{FF2B5EF4-FFF2-40B4-BE49-F238E27FC236}">
+                <a16:creationId xmlns:a16="http://schemas.microsoft.com/office/drawing/2014/main" id="{9E5CE124-DF38-4DA2-8711-48CAF6EBD1A3}"/>
+              </a:ext>
+            </a:extLst>
+          </p:cNvPr>
+          <p:cNvSpPr txBox="1"/>
+          <p:nvPr/>
+        </p:nvSpPr>
+        <p:spPr>
+          <a:xfrm>
+            <a:off x="92476" y="113825"/>
+            <a:ext cx="5010747" cy="369332"/>
+          </a:xfrm>
+          <a:prstGeom prst="rect">
+            <a:avLst/>
+          </a:prstGeom>
+          <a:noFill/>
+        </p:spPr>
+        <p:txBody>
+          <a:bodyPr wrap="square" rtlCol="0">
+            <a:spAutoFit/>
+          </a:bodyPr>
+          <a:lstStyle/>
+          <a:p>
+            <a:r>
+              <a:rPr lang="en-US" altLang="ko-KR" dirty="0"/>
+              <a:t>2017 </a:t>
+            </a:r>
+            <a:r>
+              <a:rPr lang="ko-KR" altLang="en-US" dirty="0"/>
+              <a:t>동계</a:t>
+            </a:r>
+            <a:endParaRPr lang="en-US" altLang="ko-KR" dirty="0"/>
+          </a:p>
+        </p:txBody>
+      </p:sp>
+      <p:pic>
+        <p:nvPicPr>
+          <p:cNvPr id="3" name="그림 2">
+            <a:extLst>
+              <a:ext uri="{FF2B5EF4-FFF2-40B4-BE49-F238E27FC236}">
+                <a16:creationId xmlns:a16="http://schemas.microsoft.com/office/drawing/2014/main" id="{C60A060A-000C-4CD1-B28D-F910CDCFF28F}"/>
+              </a:ext>
+            </a:extLst>
+          </p:cNvPr>
+          <p:cNvPicPr>
+            <a:picLocks noChangeAspect="1"/>
+          </p:cNvPicPr>
+          <p:nvPr/>
+        </p:nvPicPr>
+        <p:blipFill>
+          <a:blip r:embed="rId2">
+            <a:extLst>
+              <a:ext uri="{28A0092B-C50C-407E-A947-70E740481C1C}">
+                <a14:useLocalDpi xmlns:a14="http://schemas.microsoft.com/office/drawing/2010/main" val="0"/>
+              </a:ext>
+            </a:extLst>
+          </a:blip>
+          <a:stretch>
+            <a:fillRect/>
+          </a:stretch>
+        </p:blipFill>
+        <p:spPr>
+          <a:xfrm>
+            <a:off x="613922" y="2200103"/>
+            <a:ext cx="6315956" cy="2457793"/>
+          </a:xfrm>
+          <a:prstGeom prst="rect">
+            <a:avLst/>
+          </a:prstGeom>
+        </p:spPr>
+      </p:pic>
+    </p:spTree>
+    <p:extLst>
+      <p:ext uri="{BB962C8B-B14F-4D97-AF65-F5344CB8AC3E}">
+        <p14:creationId xmlns:p14="http://schemas.microsoft.com/office/powerpoint/2010/main" val="3903945550"/>
+      </p:ext>
+    </p:extLst>
+  </p:cSld>
+  <p:clrMapOvr>
+    <a:masterClrMapping/>
+  </p:clrMapOvr>
+</p:sld>
+</file>
+
+<file path=ppt/slides/slide14.xml><?xml version="1.0" encoding="utf-8"?>
+<p:sld xmlns:a="http://schemas.openxmlformats.org/drawingml/2006/main" xmlns:r="http://schemas.openxmlformats.org/officeDocument/2006/relationships" xmlns:p="http://schemas.openxmlformats.org/presentationml/2006/main">
+  <p:cSld>
+    <p:spTree>
+      <p:nvGrpSpPr>
+        <p:cNvPr id="1" name=""/>
+        <p:cNvGrpSpPr/>
+        <p:nvPr/>
+      </p:nvGrpSpPr>
+      <p:grpSpPr>
+        <a:xfrm>
+          <a:off x="0" y="0"/>
+          <a:ext cx="0" cy="0"/>
+          <a:chOff x="0" y="0"/>
+          <a:chExt cx="0" cy="0"/>
+        </a:xfrm>
+      </p:grpSpPr>
+      <p:sp>
+        <p:nvSpPr>
+          <p:cNvPr id="2" name="제목 1">
+            <a:extLst>
+              <a:ext uri="{FF2B5EF4-FFF2-40B4-BE49-F238E27FC236}">
+                <a16:creationId xmlns:a16="http://schemas.microsoft.com/office/drawing/2014/main" id="{9898FADE-B08E-484D-AF1B-2DD25A3FCC9A}"/>
+              </a:ext>
+            </a:extLst>
+          </p:cNvPr>
+          <p:cNvSpPr>
+            <a:spLocks noGrp="1"/>
+          </p:cNvSpPr>
+          <p:nvPr>
+            <p:ph type="ctrTitle"/>
+          </p:nvPr>
+        </p:nvSpPr>
+        <p:spPr/>
+        <p:txBody>
+          <a:bodyPr>
+            <a:normAutofit/>
+          </a:bodyPr>
+          <a:lstStyle/>
+          <a:p>
+            <a:r>
+              <a:rPr lang="en-US" altLang="ko-KR" sz="5400" dirty="0">
+                <a:latin typeface="KoPubWorld돋움체 Bold" panose="00000800000000000000" pitchFamily="2" charset="-127"/>
+                <a:ea typeface="KoPubWorld돋움체 Bold" panose="00000800000000000000" pitchFamily="2" charset="-127"/>
+                <a:cs typeface="KoPubWorld돋움체 Bold" panose="00000800000000000000" pitchFamily="2" charset="-127"/>
+              </a:rPr>
+              <a:t>head-4</a:t>
+            </a:r>
+            <a:r>
+              <a:rPr lang="ko-KR" altLang="en-US" sz="5400" dirty="0">
+                <a:latin typeface="KoPubWorld돋움체 Bold" panose="00000800000000000000" pitchFamily="2" charset="-127"/>
+                <a:ea typeface="KoPubWorld돋움체 Bold" panose="00000800000000000000" pitchFamily="2" charset="-127"/>
+                <a:cs typeface="KoPubWorld돋움체 Bold" panose="00000800000000000000" pitchFamily="2" charset="-127"/>
+              </a:rPr>
+              <a:t>문항</a:t>
+            </a:r>
+          </a:p>
+        </p:txBody>
+      </p:sp>
+      <p:sp>
+        <p:nvSpPr>
+          <p:cNvPr id="3" name="부제목 2">
+            <a:extLst>
+              <a:ext uri="{FF2B5EF4-FFF2-40B4-BE49-F238E27FC236}">
+                <a16:creationId xmlns:a16="http://schemas.microsoft.com/office/drawing/2014/main" id="{1210A9DB-7D71-4F44-8B9E-994F492BA402}"/>
+              </a:ext>
+            </a:extLst>
+          </p:cNvPr>
+          <p:cNvSpPr>
+            <a:spLocks noGrp="1"/>
+          </p:cNvSpPr>
+          <p:nvPr>
+            <p:ph type="subTitle" idx="1"/>
+          </p:nvPr>
+        </p:nvSpPr>
+        <p:spPr/>
+        <p:txBody>
+          <a:bodyPr/>
+          <a:lstStyle/>
+          <a:p>
+            <a:r>
+              <a:rPr lang="en-US" altLang="ko-KR" dirty="0">
+                <a:latin typeface="KoPubWorld돋움체 Bold" panose="00000800000000000000" pitchFamily="2" charset="-127"/>
+                <a:ea typeface="KoPubWorld돋움체 Bold" panose="00000800000000000000" pitchFamily="2" charset="-127"/>
+                <a:cs typeface="KoPubWorld돋움체 Bold" panose="00000800000000000000" pitchFamily="2" charset="-127"/>
+              </a:rPr>
+              <a:t>12</a:t>
+            </a:r>
+            <a:r>
+              <a:rPr lang="ko-KR" altLang="en-US" dirty="0">
+                <a:latin typeface="KoPubWorld돋움체 Bold" panose="00000800000000000000" pitchFamily="2" charset="-127"/>
+                <a:ea typeface="KoPubWorld돋움체 Bold" panose="00000800000000000000" pitchFamily="2" charset="-127"/>
+                <a:cs typeface="KoPubWorld돋움체 Bold" panose="00000800000000000000" pitchFamily="2" charset="-127"/>
+              </a:rPr>
+              <a:t>장</a:t>
+            </a:r>
+            <a:r>
+              <a:rPr lang="en-US" altLang="ko-KR" dirty="0">
+                <a:latin typeface="KoPubWorld돋움체 Bold" panose="00000800000000000000" pitchFamily="2" charset="-127"/>
+                <a:ea typeface="KoPubWorld돋움체 Bold" panose="00000800000000000000" pitchFamily="2" charset="-127"/>
+                <a:cs typeface="KoPubWorld돋움체 Bold" panose="00000800000000000000" pitchFamily="2" charset="-127"/>
+              </a:rPr>
+              <a:t>, 13</a:t>
+            </a:r>
+            <a:r>
+              <a:rPr lang="ko-KR" altLang="en-US" dirty="0">
+                <a:latin typeface="KoPubWorld돋움체 Bold" panose="00000800000000000000" pitchFamily="2" charset="-127"/>
+                <a:ea typeface="KoPubWorld돋움체 Bold" panose="00000800000000000000" pitchFamily="2" charset="-127"/>
+                <a:cs typeface="KoPubWorld돋움체 Bold" panose="00000800000000000000" pitchFamily="2" charset="-127"/>
+              </a:rPr>
+              <a:t>장 </a:t>
+            </a:r>
+            <a:r>
+              <a:rPr lang="en-US" altLang="ko-KR" dirty="0">
+                <a:latin typeface="KoPubWorld돋움체 Bold" panose="00000800000000000000" pitchFamily="2" charset="-127"/>
+                <a:ea typeface="KoPubWorld돋움체 Bold" panose="00000800000000000000" pitchFamily="2" charset="-127"/>
+                <a:cs typeface="KoPubWorld돋움체 Bold" panose="00000800000000000000" pitchFamily="2" charset="-127"/>
+              </a:rPr>
+              <a:t>– R</a:t>
+            </a:r>
+            <a:r>
+              <a:rPr lang="ko-KR" altLang="en-US" dirty="0">
+                <a:latin typeface="KoPubWorld돋움체 Bold" panose="00000800000000000000" pitchFamily="2" charset="-127"/>
+                <a:ea typeface="KoPubWorld돋움체 Bold" panose="00000800000000000000" pitchFamily="2" charset="-127"/>
+                <a:cs typeface="KoPubWorld돋움체 Bold" panose="00000800000000000000" pitchFamily="2" charset="-127"/>
+              </a:rPr>
+              <a:t>을 활용한 자료분석</a:t>
+            </a:r>
+          </a:p>
+        </p:txBody>
+      </p:sp>
+    </p:spTree>
+    <p:extLst>
+      <p:ext uri="{BB962C8B-B14F-4D97-AF65-F5344CB8AC3E}">
+        <p14:creationId xmlns:p14="http://schemas.microsoft.com/office/powerpoint/2010/main" val="507608557"/>
+      </p:ext>
+    </p:extLst>
+  </p:cSld>
+  <p:clrMapOvr>
+    <a:masterClrMapping/>
+  </p:clrMapOvr>
+</p:sld>
+</file>
+
+<file path=ppt/slides/slide15.xml><?xml version="1.0" encoding="utf-8"?>
+<p:sld xmlns:a="http://schemas.openxmlformats.org/drawingml/2006/main" xmlns:r="http://schemas.openxmlformats.org/officeDocument/2006/relationships" xmlns:p="http://schemas.openxmlformats.org/presentationml/2006/main">
+  <p:cSld>
+    <p:spTree>
+      <p:nvGrpSpPr>
+        <p:cNvPr id="1" name=""/>
+        <p:cNvGrpSpPr/>
+        <p:nvPr/>
+      </p:nvGrpSpPr>
+      <p:grpSpPr>
+        <a:xfrm>
+          <a:off x="0" y="0"/>
+          <a:ext cx="0" cy="0"/>
+          <a:chOff x="0" y="0"/>
+          <a:chExt cx="0" cy="0"/>
+        </a:xfrm>
+      </p:grpSpPr>
+      <p:sp>
+        <p:nvSpPr>
+          <p:cNvPr id="11" name="TextBox 10">
+            <a:extLst>
+              <a:ext uri="{FF2B5EF4-FFF2-40B4-BE49-F238E27FC236}">
+                <a16:creationId xmlns:a16="http://schemas.microsoft.com/office/drawing/2014/main" id="{9E5CE124-DF38-4DA2-8711-48CAF6EBD1A3}"/>
+              </a:ext>
+            </a:extLst>
+          </p:cNvPr>
+          <p:cNvSpPr txBox="1"/>
+          <p:nvPr/>
+        </p:nvSpPr>
+        <p:spPr>
+          <a:xfrm>
+            <a:off x="92476" y="113825"/>
+            <a:ext cx="5010747" cy="369332"/>
+          </a:xfrm>
+          <a:prstGeom prst="rect">
+            <a:avLst/>
+          </a:prstGeom>
+          <a:noFill/>
+        </p:spPr>
+        <p:txBody>
+          <a:bodyPr wrap="square" rtlCol="0">
+            <a:spAutoFit/>
+          </a:bodyPr>
+          <a:lstStyle/>
+          <a:p>
+            <a:r>
+              <a:rPr lang="en-US" altLang="ko-KR" dirty="0"/>
+              <a:t>2019 </a:t>
+            </a:r>
+            <a:r>
+              <a:rPr lang="ko-KR" altLang="en-US" dirty="0"/>
+              <a:t>동계</a:t>
+            </a:r>
+            <a:r>
+              <a:rPr lang="en-US" altLang="ko-KR" dirty="0"/>
+              <a:t>, 2018 1</a:t>
+            </a:r>
+            <a:r>
+              <a:rPr lang="ko-KR" altLang="en-US" dirty="0"/>
+              <a:t>학기</a:t>
+            </a:r>
+            <a:r>
+              <a:rPr lang="en-US" altLang="ko-KR" dirty="0"/>
+              <a:t>, 2017 </a:t>
+            </a:r>
+            <a:r>
+              <a:rPr lang="ko-KR" altLang="en-US" dirty="0"/>
+              <a:t>동계</a:t>
+            </a:r>
+            <a:r>
+              <a:rPr lang="en-US" altLang="ko-KR" dirty="0"/>
+              <a:t>, 2017 1</a:t>
+            </a:r>
+            <a:r>
+              <a:rPr lang="ko-KR" altLang="en-US" dirty="0"/>
+              <a:t>학기</a:t>
+            </a:r>
+            <a:r>
+              <a:rPr lang="en-US" altLang="ko-KR" dirty="0"/>
+              <a:t> </a:t>
+            </a:r>
+          </a:p>
+        </p:txBody>
+      </p:sp>
+      <p:pic>
+        <p:nvPicPr>
+          <p:cNvPr id="4" name="그림 3">
+            <a:extLst>
+              <a:ext uri="{FF2B5EF4-FFF2-40B4-BE49-F238E27FC236}">
+                <a16:creationId xmlns:a16="http://schemas.microsoft.com/office/drawing/2014/main" id="{E921E848-C5EF-4E27-8A97-59C69F39A09A}"/>
+              </a:ext>
+            </a:extLst>
+          </p:cNvPr>
+          <p:cNvPicPr>
+            <a:picLocks noChangeAspect="1"/>
+          </p:cNvPicPr>
+          <p:nvPr/>
+        </p:nvPicPr>
+        <p:blipFill>
+          <a:blip r:embed="rId2">
+            <a:extLst>
+              <a:ext uri="{28A0092B-C50C-407E-A947-70E740481C1C}">
+                <a14:useLocalDpi xmlns:a14="http://schemas.microsoft.com/office/drawing/2010/main" val="0"/>
+              </a:ext>
+            </a:extLst>
+          </a:blip>
+          <a:stretch>
+            <a:fillRect/>
+          </a:stretch>
+        </p:blipFill>
+        <p:spPr>
+          <a:xfrm>
+            <a:off x="92476" y="1028615"/>
+            <a:ext cx="5839640" cy="1943371"/>
+          </a:xfrm>
+          <a:prstGeom prst="rect">
+            <a:avLst/>
+          </a:prstGeom>
+        </p:spPr>
+      </p:pic>
+      <p:pic>
+        <p:nvPicPr>
+          <p:cNvPr id="6" name="그림 5">
+            <a:extLst>
+              <a:ext uri="{FF2B5EF4-FFF2-40B4-BE49-F238E27FC236}">
+                <a16:creationId xmlns:a16="http://schemas.microsoft.com/office/drawing/2014/main" id="{CEF946FA-5A79-4666-847C-ED06EA384BF2}"/>
+              </a:ext>
+            </a:extLst>
+          </p:cNvPr>
+          <p:cNvPicPr>
+            <a:picLocks noChangeAspect="1"/>
+          </p:cNvPicPr>
+          <p:nvPr/>
+        </p:nvPicPr>
+        <p:blipFill>
+          <a:blip r:embed="rId3">
+            <a:extLst>
+              <a:ext uri="{28A0092B-C50C-407E-A947-70E740481C1C}">
+                <a14:useLocalDpi xmlns:a14="http://schemas.microsoft.com/office/drawing/2010/main" val="0"/>
+              </a:ext>
+            </a:extLst>
+          </a:blip>
+          <a:stretch>
+            <a:fillRect/>
+          </a:stretch>
+        </p:blipFill>
+        <p:spPr>
+          <a:xfrm>
+            <a:off x="6160532" y="820398"/>
+            <a:ext cx="6031468" cy="2385204"/>
+          </a:xfrm>
+          <a:prstGeom prst="rect">
+            <a:avLst/>
+          </a:prstGeom>
+        </p:spPr>
+      </p:pic>
+      <p:pic>
+        <p:nvPicPr>
+          <p:cNvPr id="8" name="그림 7">
+            <a:extLst>
+              <a:ext uri="{FF2B5EF4-FFF2-40B4-BE49-F238E27FC236}">
+                <a16:creationId xmlns:a16="http://schemas.microsoft.com/office/drawing/2014/main" id="{1336111F-E6AF-4A06-BD24-5EE0A035598A}"/>
+              </a:ext>
+            </a:extLst>
+          </p:cNvPr>
+          <p:cNvPicPr>
+            <a:picLocks noChangeAspect="1"/>
+          </p:cNvPicPr>
+          <p:nvPr/>
+        </p:nvPicPr>
+        <p:blipFill>
+          <a:blip r:embed="rId4">
+            <a:extLst>
+              <a:ext uri="{28A0092B-C50C-407E-A947-70E740481C1C}">
+                <a14:useLocalDpi xmlns:a14="http://schemas.microsoft.com/office/drawing/2010/main" val="0"/>
+              </a:ext>
+            </a:extLst>
+          </a:blip>
+          <a:stretch>
+            <a:fillRect/>
+          </a:stretch>
+        </p:blipFill>
+        <p:spPr>
+          <a:xfrm>
+            <a:off x="245617" y="3738360"/>
+            <a:ext cx="5832524" cy="2433840"/>
+          </a:xfrm>
+          <a:prstGeom prst="rect">
+            <a:avLst/>
+          </a:prstGeom>
+        </p:spPr>
+      </p:pic>
+      <p:pic>
+        <p:nvPicPr>
+          <p:cNvPr id="10" name="그림 9">
+            <a:extLst>
+              <a:ext uri="{FF2B5EF4-FFF2-40B4-BE49-F238E27FC236}">
+                <a16:creationId xmlns:a16="http://schemas.microsoft.com/office/drawing/2014/main" id="{732276C1-1968-4B5C-98CE-6F4C75671AFE}"/>
+              </a:ext>
+            </a:extLst>
+          </p:cNvPr>
+          <p:cNvPicPr>
+            <a:picLocks noChangeAspect="1"/>
+          </p:cNvPicPr>
+          <p:nvPr/>
+        </p:nvPicPr>
+        <p:blipFill>
+          <a:blip r:embed="rId5">
+            <a:extLst>
+              <a:ext uri="{28A0092B-C50C-407E-A947-70E740481C1C}">
+                <a14:useLocalDpi xmlns:a14="http://schemas.microsoft.com/office/drawing/2010/main" val="0"/>
+              </a:ext>
+            </a:extLst>
+          </a:blip>
+          <a:stretch>
+            <a:fillRect/>
+          </a:stretch>
+        </p:blipFill>
+        <p:spPr>
+          <a:xfrm>
+            <a:off x="6096000" y="3983594"/>
+            <a:ext cx="5701008" cy="1943371"/>
+          </a:xfrm>
+          <a:prstGeom prst="rect">
+            <a:avLst/>
+          </a:prstGeom>
+        </p:spPr>
+      </p:pic>
+    </p:spTree>
+    <p:extLst>
+      <p:ext uri="{BB962C8B-B14F-4D97-AF65-F5344CB8AC3E}">
+        <p14:creationId xmlns:p14="http://schemas.microsoft.com/office/powerpoint/2010/main" val="3233190421"/>
       </p:ext>
     </p:extLst>
   </p:cSld>
@@ -3599,7 +4699,7 @@
         </p:nvSpPr>
         <p:spPr>
           <a:xfrm>
-            <a:off x="1524000" y="1817188"/>
+            <a:off x="1524000" y="1846263"/>
             <a:ext cx="9144000" cy="2387600"/>
           </a:xfrm>
         </p:spPr>
@@ -3615,7 +4715,7 @@
                 <a:ea typeface="KoPubWorld돋움체 Bold" panose="00000800000000000000" pitchFamily="2" charset="-127"/>
                 <a:cs typeface="KoPubWorld돋움체 Bold" panose="00000800000000000000" pitchFamily="2" charset="-127"/>
               </a:rPr>
-              <a:t>이 때까지 아래한글 문제는 </a:t>
+              <a:t>일반학기 </a:t>
             </a:r>
             <a:r>
               <a:rPr lang="en-US" altLang="ko-KR" sz="5400" dirty="0">
@@ -3623,7 +4723,7 @@
                 <a:ea typeface="KoPubWorld돋움체 Bold" panose="00000800000000000000" pitchFamily="2" charset="-127"/>
                 <a:cs typeface="KoPubWorld돋움체 Bold" panose="00000800000000000000" pitchFamily="2" charset="-127"/>
               </a:rPr>
-              <a:t>2</a:t>
+              <a:t>– 5~8</a:t>
             </a:r>
             <a:r>
               <a:rPr lang="ko-KR" altLang="en-US" sz="5400" dirty="0" err="1">
@@ -3631,15 +4731,30 @@
                 <a:ea typeface="KoPubWorld돋움체 Bold" panose="00000800000000000000" pitchFamily="2" charset="-127"/>
                 <a:cs typeface="KoPubWorld돋움체 Bold" panose="00000800000000000000" pitchFamily="2" charset="-127"/>
               </a:rPr>
-              <a:t>문제씩</a:t>
-            </a:r>
+              <a:t>문제나옴</a:t>
+            </a:r>
+            <a:br>
+              <a:rPr lang="en-US" altLang="ko-KR" sz="5400" dirty="0">
+                <a:latin typeface="KoPubWorld돋움체 Bold" panose="00000800000000000000" pitchFamily="2" charset="-127"/>
+                <a:ea typeface="KoPubWorld돋움체 Bold" panose="00000800000000000000" pitchFamily="2" charset="-127"/>
+                <a:cs typeface="KoPubWorld돋움체 Bold" panose="00000800000000000000" pitchFamily="2" charset="-127"/>
+              </a:rPr>
+            </a:br>
             <a:r>
               <a:rPr lang="ko-KR" altLang="en-US" sz="5400" dirty="0">
                 <a:latin typeface="KoPubWorld돋움체 Bold" panose="00000800000000000000" pitchFamily="2" charset="-127"/>
                 <a:ea typeface="KoPubWorld돋움체 Bold" panose="00000800000000000000" pitchFamily="2" charset="-127"/>
                 <a:cs typeface="KoPubWorld돋움체 Bold" panose="00000800000000000000" pitchFamily="2" charset="-127"/>
               </a:rPr>
-              <a:t> 출제 </a:t>
+              <a:t>계절학기 </a:t>
+            </a:r>
+            <a:r>
+              <a:rPr lang="en-US" altLang="ko-KR" sz="5400" dirty="0">
+                <a:latin typeface="KoPubWorld돋움체 Bold" panose="00000800000000000000" pitchFamily="2" charset="-127"/>
+                <a:ea typeface="KoPubWorld돋움체 Bold" panose="00000800000000000000" pitchFamily="2" charset="-127"/>
+                <a:cs typeface="KoPubWorld돋움체 Bold" panose="00000800000000000000" pitchFamily="2" charset="-127"/>
+              </a:rPr>
+              <a:t>– 8</a:t>
             </a:r>
             <a:r>
               <a:rPr lang="ko-KR" altLang="en-US" sz="5400" dirty="0" err="1">
@@ -3647,15 +4762,7 @@
                 <a:ea typeface="KoPubWorld돋움체 Bold" panose="00000800000000000000" pitchFamily="2" charset="-127"/>
                 <a:cs typeface="KoPubWorld돋움체 Bold" panose="00000800000000000000" pitchFamily="2" charset="-127"/>
               </a:rPr>
-              <a:t>됬었습니다</a:t>
-            </a:r>
-            <a:r>
-              <a:rPr lang="en-US" altLang="ko-KR" sz="5400" dirty="0">
-                <a:latin typeface="KoPubWorld돋움체 Bold" panose="00000800000000000000" pitchFamily="2" charset="-127"/>
-                <a:ea typeface="KoPubWorld돋움체 Bold" panose="00000800000000000000" pitchFamily="2" charset="-127"/>
-                <a:cs typeface="KoPubWorld돋움체 Bold" panose="00000800000000000000" pitchFamily="2" charset="-127"/>
-              </a:rPr>
-              <a:t>.</a:t>
+              <a:t>문제나옴</a:t>
             </a:r>
             <a:endParaRPr lang="ko-KR" altLang="en-US" sz="5400" dirty="0">
               <a:latin typeface="KoPubWorld돋움체 Bold" panose="00000800000000000000" pitchFamily="2" charset="-127"/>
@@ -3668,7 +4775,7 @@
     </p:spTree>
     <p:extLst>
       <p:ext uri="{BB962C8B-B14F-4D97-AF65-F5344CB8AC3E}">
-        <p14:creationId xmlns:p14="http://schemas.microsoft.com/office/powerpoint/2010/main" val="4233332832"/>
+        <p14:creationId xmlns:p14="http://schemas.microsoft.com/office/powerpoint/2010/main" val="4206576228"/>
       </p:ext>
     </p:extLst>
   </p:cSld>
@@ -3724,7 +4831,7 @@
                 <a:ea typeface="KoPubWorld돋움체 Bold" panose="00000800000000000000" pitchFamily="2" charset="-127"/>
                 <a:cs typeface="KoPubWorld돋움체 Bold" panose="00000800000000000000" pitchFamily="2" charset="-127"/>
               </a:rPr>
-              <a:t>아래한글 사용법</a:t>
+              <a:t>정규분포와 그래프</a:t>
             </a:r>
             <a:r>
               <a:rPr lang="en-US" altLang="ko-KR" sz="5400" dirty="0">
@@ -3772,10 +4879,26 @@
                 <a:ea typeface="KoPubWorld돋움체 Bold" panose="00000800000000000000" pitchFamily="2" charset="-127"/>
                 <a:cs typeface="KoPubWorld돋움체 Bold" panose="00000800000000000000" pitchFamily="2" charset="-127"/>
               </a:rPr>
-              <a:t>3</a:t>
-            </a:r>
-            <a:r>
-              <a:rPr lang="ko-KR" altLang="en-US" sz="2400" dirty="0">
+              <a:t>12</a:t>
+            </a:r>
+            <a:r>
+              <a:rPr lang="ko-KR" altLang="en-US" dirty="0">
+                <a:latin typeface="KoPubWorld돋움체 Bold" panose="00000800000000000000" pitchFamily="2" charset="-127"/>
+                <a:ea typeface="KoPubWorld돋움체 Bold" panose="00000800000000000000" pitchFamily="2" charset="-127"/>
+                <a:cs typeface="KoPubWorld돋움체 Bold" panose="00000800000000000000" pitchFamily="2" charset="-127"/>
+              </a:rPr>
+              <a:t>장</a:t>
+            </a:r>
+            <a:r>
+              <a:rPr lang="en-US" altLang="ko-KR" dirty="0">
+                <a:latin typeface="KoPubWorld돋움체 Bold" panose="00000800000000000000" pitchFamily="2" charset="-127"/>
+                <a:ea typeface="KoPubWorld돋움체 Bold" panose="00000800000000000000" pitchFamily="2" charset="-127"/>
+                <a:cs typeface="KoPubWorld돋움체 Bold" panose="00000800000000000000" pitchFamily="2" charset="-127"/>
+              </a:rPr>
+              <a:t>, 13</a:t>
+            </a:r>
+            <a:r>
+              <a:rPr lang="ko-KR" altLang="en-US" dirty="0">
                 <a:latin typeface="KoPubWorld돋움체 Bold" panose="00000800000000000000" pitchFamily="2" charset="-127"/>
                 <a:ea typeface="KoPubWorld돋움체 Bold" panose="00000800000000000000" pitchFamily="2" charset="-127"/>
                 <a:cs typeface="KoPubWorld돋움체 Bold" panose="00000800000000000000" pitchFamily="2" charset="-127"/>
@@ -3783,12 +4906,12 @@
               <a:t>장 </a:t>
             </a:r>
             <a:r>
-              <a:rPr lang="en-US" altLang="ko-KR" sz="2400" dirty="0">
+              <a:rPr lang="en-US" altLang="ko-KR" dirty="0">
                 <a:latin typeface="KoPubWorld돋움체 Bold" panose="00000800000000000000" pitchFamily="2" charset="-127"/>
                 <a:ea typeface="KoPubWorld돋움체 Bold" panose="00000800000000000000" pitchFamily="2" charset="-127"/>
                 <a:cs typeface="KoPubWorld돋움체 Bold" panose="00000800000000000000" pitchFamily="2" charset="-127"/>
               </a:rPr>
-              <a:t>– </a:t>
+              <a:t>– R</a:t>
             </a:r>
             <a:r>
               <a:rPr lang="ko-KR" altLang="en-US" dirty="0">
@@ -3796,7 +4919,7 @@
                 <a:ea typeface="KoPubWorld돋움체 Bold" panose="00000800000000000000" pitchFamily="2" charset="-127"/>
                 <a:cs typeface="KoPubWorld돋움체 Bold" panose="00000800000000000000" pitchFamily="2" charset="-127"/>
               </a:rPr>
-              <a:t>문서 작성</a:t>
+              <a:t>을 활용한 자료분석</a:t>
             </a:r>
           </a:p>
         </p:txBody>
@@ -3869,6 +4992,14 @@
             </a:r>
             <a:r>
               <a:rPr lang="en-US" altLang="ko-KR" dirty="0"/>
+              <a:t>, 2019 1</a:t>
+            </a:r>
+            <a:r>
+              <a:rPr lang="ko-KR" altLang="en-US" dirty="0"/>
+              <a:t>학기</a:t>
+            </a:r>
+            <a:r>
+              <a:rPr lang="en-US" altLang="ko-KR" dirty="0"/>
               <a:t>, 2018 </a:t>
             </a:r>
             <a:r>
@@ -3883,24 +5014,16 @@
               <a:rPr lang="ko-KR" altLang="en-US" dirty="0"/>
               <a:t>학기</a:t>
             </a:r>
-            <a:r>
-              <a:rPr lang="en-US" altLang="ko-KR" dirty="0"/>
-              <a:t>, 2017 1</a:t>
-            </a:r>
-            <a:r>
-              <a:rPr lang="ko-KR" altLang="en-US" dirty="0"/>
-              <a:t>학기</a:t>
-            </a:r>
             <a:endParaRPr lang="en-US" altLang="ko-KR" dirty="0"/>
           </a:p>
         </p:txBody>
       </p:sp>
       <p:pic>
         <p:nvPicPr>
-          <p:cNvPr id="9" name="그림 8">
-            <a:extLst>
-              <a:ext uri="{FF2B5EF4-FFF2-40B4-BE49-F238E27FC236}">
-                <a16:creationId xmlns:a16="http://schemas.microsoft.com/office/drawing/2014/main" id="{8917B5F6-F07D-4C41-BCB9-A143B996AD3D}"/>
+          <p:cNvPr id="3" name="그림 2">
+            <a:extLst>
+              <a:ext uri="{FF2B5EF4-FFF2-40B4-BE49-F238E27FC236}">
+                <a16:creationId xmlns:a16="http://schemas.microsoft.com/office/drawing/2014/main" id="{6D87421D-17B4-4D1C-9ADA-8D3201BB30EE}"/>
               </a:ext>
             </a:extLst>
           </p:cNvPr>
@@ -3923,8 +5046,8 @@
         </p:blipFill>
         <p:spPr>
           <a:xfrm>
-            <a:off x="479404" y="725775"/>
-            <a:ext cx="4966798" cy="2633558"/>
+            <a:off x="414738" y="700772"/>
+            <a:ext cx="4701185" cy="2728228"/>
           </a:xfrm>
           <a:prstGeom prst="rect">
             <a:avLst/>
@@ -3933,10 +5056,10 @@
       </p:pic>
       <p:pic>
         <p:nvPicPr>
-          <p:cNvPr id="14" name="그림 13">
-            <a:extLst>
-              <a:ext uri="{FF2B5EF4-FFF2-40B4-BE49-F238E27FC236}">
-                <a16:creationId xmlns:a16="http://schemas.microsoft.com/office/drawing/2014/main" id="{A1ACEEDF-8D0E-4278-832B-C43B4BEB6282}"/>
+          <p:cNvPr id="5" name="그림 4">
+            <a:extLst>
+              <a:ext uri="{FF2B5EF4-FFF2-40B4-BE49-F238E27FC236}">
+                <a16:creationId xmlns:a16="http://schemas.microsoft.com/office/drawing/2014/main" id="{C92C0406-96A5-4C01-AF59-60B00CC6501A}"/>
               </a:ext>
             </a:extLst>
           </p:cNvPr>
@@ -3959,8 +5082,8 @@
         </p:blipFill>
         <p:spPr>
           <a:xfrm>
-            <a:off x="6017622" y="725775"/>
-            <a:ext cx="5061795" cy="2463943"/>
+            <a:off x="5507151" y="779492"/>
+            <a:ext cx="5335879" cy="2570787"/>
           </a:xfrm>
           <a:prstGeom prst="rect">
             <a:avLst/>
@@ -3969,10 +5092,10 @@
       </p:pic>
       <p:pic>
         <p:nvPicPr>
-          <p:cNvPr id="16" name="그림 15">
-            <a:extLst>
-              <a:ext uri="{FF2B5EF4-FFF2-40B4-BE49-F238E27FC236}">
-                <a16:creationId xmlns:a16="http://schemas.microsoft.com/office/drawing/2014/main" id="{520C8467-82F4-4D68-947F-7289107290E7}"/>
+          <p:cNvPr id="7" name="그림 6">
+            <a:extLst>
+              <a:ext uri="{FF2B5EF4-FFF2-40B4-BE49-F238E27FC236}">
+                <a16:creationId xmlns:a16="http://schemas.microsoft.com/office/drawing/2014/main" id="{ABFF54B1-B9CA-4B1D-A483-70777F208866}"/>
               </a:ext>
             </a:extLst>
           </p:cNvPr>
@@ -3995,8 +5118,8 @@
         </p:blipFill>
         <p:spPr>
           <a:xfrm>
-            <a:off x="566489" y="3741288"/>
-            <a:ext cx="4623819" cy="2227180"/>
+            <a:off x="414738" y="3418708"/>
+            <a:ext cx="4746417" cy="2435992"/>
           </a:xfrm>
           <a:prstGeom prst="rect">
             <a:avLst/>
@@ -4005,10 +5128,10 @@
       </p:pic>
       <p:pic>
         <p:nvPicPr>
-          <p:cNvPr id="18" name="그림 17">
-            <a:extLst>
-              <a:ext uri="{FF2B5EF4-FFF2-40B4-BE49-F238E27FC236}">
-                <a16:creationId xmlns:a16="http://schemas.microsoft.com/office/drawing/2014/main" id="{353812CC-75DC-4B2B-9613-68B4E6697EE7}"/>
+          <p:cNvPr id="10" name="그림 9">
+            <a:extLst>
+              <a:ext uri="{FF2B5EF4-FFF2-40B4-BE49-F238E27FC236}">
+                <a16:creationId xmlns:a16="http://schemas.microsoft.com/office/drawing/2014/main" id="{406F3411-B3F7-40A5-B264-76BE794125D5}"/>
               </a:ext>
             </a:extLst>
           </p:cNvPr>
@@ -4031,402 +5154,14 @@
         </p:blipFill>
         <p:spPr>
           <a:xfrm>
-            <a:off x="5902007" y="3741288"/>
-            <a:ext cx="5331617" cy="2074725"/>
+            <a:off x="5507151" y="3429000"/>
+            <a:ext cx="5335879" cy="2559935"/>
           </a:xfrm>
           <a:prstGeom prst="rect">
             <a:avLst/>
           </a:prstGeom>
         </p:spPr>
       </p:pic>
-      <p:sp>
-        <p:nvSpPr>
-          <p:cNvPr id="19" name="직사각형 18">
-            <a:extLst>
-              <a:ext uri="{FF2B5EF4-FFF2-40B4-BE49-F238E27FC236}">
-                <a16:creationId xmlns:a16="http://schemas.microsoft.com/office/drawing/2014/main" id="{95BF461C-A590-4511-A34E-07E2FC33803D}"/>
-              </a:ext>
-            </a:extLst>
-          </p:cNvPr>
-          <p:cNvSpPr/>
-          <p:nvPr/>
-        </p:nvSpPr>
-        <p:spPr>
-          <a:xfrm>
-            <a:off x="697582" y="2947155"/>
-            <a:ext cx="817709" cy="304100"/>
-          </a:xfrm>
-          <a:prstGeom prst="rect">
-            <a:avLst/>
-          </a:prstGeom>
-          <a:noFill/>
-          <a:ln w="38100">
-            <a:solidFill>
-              <a:srgbClr val="C00000"/>
-            </a:solidFill>
-          </a:ln>
-        </p:spPr>
-        <p:style>
-          <a:lnRef idx="2">
-            <a:schemeClr val="accent1">
-              <a:shade val="50000"/>
-            </a:schemeClr>
-          </a:lnRef>
-          <a:fillRef idx="1">
-            <a:schemeClr val="accent1"/>
-          </a:fillRef>
-          <a:effectRef idx="0">
-            <a:schemeClr val="accent1"/>
-          </a:effectRef>
-          <a:fontRef idx="minor">
-            <a:schemeClr val="lt1"/>
-          </a:fontRef>
-        </p:style>
-        <p:txBody>
-          <a:bodyPr rtlCol="0" anchor="ctr"/>
-          <a:lstStyle/>
-          <a:p>
-            <a:pPr algn="ctr"/>
-            <a:endParaRPr lang="ko-KR" altLang="en-US"/>
-          </a:p>
-        </p:txBody>
-      </p:sp>
-      <p:sp>
-        <p:nvSpPr>
-          <p:cNvPr id="20" name="직사각형 19">
-            <a:extLst>
-              <a:ext uri="{FF2B5EF4-FFF2-40B4-BE49-F238E27FC236}">
-                <a16:creationId xmlns:a16="http://schemas.microsoft.com/office/drawing/2014/main" id="{6F9BBF9F-29F1-44D9-9105-7D007470B971}"/>
-              </a:ext>
-            </a:extLst>
-          </p:cNvPr>
-          <p:cNvSpPr/>
-          <p:nvPr/>
-        </p:nvSpPr>
-        <p:spPr>
-          <a:xfrm>
-            <a:off x="8391604" y="2623462"/>
-            <a:ext cx="917859" cy="304100"/>
-          </a:xfrm>
-          <a:prstGeom prst="rect">
-            <a:avLst/>
-          </a:prstGeom>
-          <a:noFill/>
-          <a:ln w="38100">
-            <a:solidFill>
-              <a:srgbClr val="C00000"/>
-            </a:solidFill>
-          </a:ln>
-        </p:spPr>
-        <p:style>
-          <a:lnRef idx="2">
-            <a:schemeClr val="accent1">
-              <a:shade val="50000"/>
-            </a:schemeClr>
-          </a:lnRef>
-          <a:fillRef idx="1">
-            <a:schemeClr val="accent1"/>
-          </a:fillRef>
-          <a:effectRef idx="0">
-            <a:schemeClr val="accent1"/>
-          </a:effectRef>
-          <a:fontRef idx="minor">
-            <a:schemeClr val="lt1"/>
-          </a:fontRef>
-        </p:style>
-        <p:txBody>
-          <a:bodyPr rtlCol="0" anchor="ctr"/>
-          <a:lstStyle/>
-          <a:p>
-            <a:pPr algn="ctr"/>
-            <a:endParaRPr lang="ko-KR" altLang="en-US"/>
-          </a:p>
-        </p:txBody>
-      </p:sp>
-      <p:sp>
-        <p:nvSpPr>
-          <p:cNvPr id="21" name="직사각형 20">
-            <a:extLst>
-              <a:ext uri="{FF2B5EF4-FFF2-40B4-BE49-F238E27FC236}">
-                <a16:creationId xmlns:a16="http://schemas.microsoft.com/office/drawing/2014/main" id="{DEC13923-533B-4B38-850C-3F989F481653}"/>
-              </a:ext>
-            </a:extLst>
-          </p:cNvPr>
-          <p:cNvSpPr/>
-          <p:nvPr/>
-        </p:nvSpPr>
-        <p:spPr>
-          <a:xfrm>
-            <a:off x="802084" y="5555885"/>
-            <a:ext cx="713207" cy="260128"/>
-          </a:xfrm>
-          <a:prstGeom prst="rect">
-            <a:avLst/>
-          </a:prstGeom>
-          <a:noFill/>
-          <a:ln w="38100">
-            <a:solidFill>
-              <a:srgbClr val="C00000"/>
-            </a:solidFill>
-          </a:ln>
-        </p:spPr>
-        <p:style>
-          <a:lnRef idx="2">
-            <a:schemeClr val="accent1">
-              <a:shade val="50000"/>
-            </a:schemeClr>
-          </a:lnRef>
-          <a:fillRef idx="1">
-            <a:schemeClr val="accent1"/>
-          </a:fillRef>
-          <a:effectRef idx="0">
-            <a:schemeClr val="accent1"/>
-          </a:effectRef>
-          <a:fontRef idx="minor">
-            <a:schemeClr val="lt1"/>
-          </a:fontRef>
-        </p:style>
-        <p:txBody>
-          <a:bodyPr rtlCol="0" anchor="ctr"/>
-          <a:lstStyle/>
-          <a:p>
-            <a:pPr algn="ctr"/>
-            <a:endParaRPr lang="ko-KR" altLang="en-US"/>
-          </a:p>
-        </p:txBody>
-      </p:sp>
-      <p:sp>
-        <p:nvSpPr>
-          <p:cNvPr id="22" name="직사각형 21">
-            <a:extLst>
-              <a:ext uri="{FF2B5EF4-FFF2-40B4-BE49-F238E27FC236}">
-                <a16:creationId xmlns:a16="http://schemas.microsoft.com/office/drawing/2014/main" id="{4C09164B-B1E2-491D-9E59-7C3A7781E384}"/>
-              </a:ext>
-            </a:extLst>
-          </p:cNvPr>
-          <p:cNvSpPr/>
-          <p:nvPr/>
-        </p:nvSpPr>
-        <p:spPr>
-          <a:xfrm>
-            <a:off x="8391604" y="5540252"/>
-            <a:ext cx="713207" cy="260128"/>
-          </a:xfrm>
-          <a:prstGeom prst="rect">
-            <a:avLst/>
-          </a:prstGeom>
-          <a:noFill/>
-          <a:ln w="38100">
-            <a:solidFill>
-              <a:srgbClr val="C00000"/>
-            </a:solidFill>
-          </a:ln>
-        </p:spPr>
-        <p:style>
-          <a:lnRef idx="2">
-            <a:schemeClr val="accent1">
-              <a:shade val="50000"/>
-            </a:schemeClr>
-          </a:lnRef>
-          <a:fillRef idx="1">
-            <a:schemeClr val="accent1"/>
-          </a:fillRef>
-          <a:effectRef idx="0">
-            <a:schemeClr val="accent1"/>
-          </a:effectRef>
-          <a:fontRef idx="minor">
-            <a:schemeClr val="lt1"/>
-          </a:fontRef>
-        </p:style>
-        <p:txBody>
-          <a:bodyPr rtlCol="0" anchor="ctr"/>
-          <a:lstStyle/>
-          <a:p>
-            <a:pPr algn="ctr"/>
-            <a:endParaRPr lang="ko-KR" altLang="en-US"/>
-          </a:p>
-        </p:txBody>
-      </p:sp>
-      <p:sp>
-        <p:nvSpPr>
-          <p:cNvPr id="24" name="TextBox 23">
-            <a:extLst>
-              <a:ext uri="{FF2B5EF4-FFF2-40B4-BE49-F238E27FC236}">
-                <a16:creationId xmlns:a16="http://schemas.microsoft.com/office/drawing/2014/main" id="{E889F362-6155-4FD7-8221-9CDBC655734A}"/>
-              </a:ext>
-            </a:extLst>
-          </p:cNvPr>
-          <p:cNvSpPr txBox="1"/>
-          <p:nvPr/>
-        </p:nvSpPr>
-        <p:spPr>
-          <a:xfrm>
-            <a:off x="3541985" y="5584392"/>
-            <a:ext cx="2360022" cy="923330"/>
-          </a:xfrm>
-          <a:prstGeom prst="rect">
-            <a:avLst/>
-          </a:prstGeom>
-          <a:noFill/>
-        </p:spPr>
-        <p:txBody>
-          <a:bodyPr wrap="square">
-            <a:spAutoFit/>
-          </a:bodyPr>
-          <a:lstStyle/>
-          <a:p>
-            <a:r>
-              <a:rPr lang="en-US" altLang="ko-KR" dirty="0">
-                <a:solidFill>
-                  <a:srgbClr val="FFC000"/>
-                </a:solidFill>
-                <a:latin typeface="KoPubWorld돋움체 Bold" panose="00000800000000000000" pitchFamily="2" charset="-127"/>
-                <a:ea typeface="KoPubWorld돋움체 Bold" panose="00000800000000000000" pitchFamily="2" charset="-127"/>
-                <a:cs typeface="KoPubWorld돋움체 Bold" panose="00000800000000000000" pitchFamily="2" charset="-127"/>
-              </a:rPr>
-              <a:t>f3</a:t>
-            </a:r>
-            <a:r>
-              <a:rPr lang="en-US" altLang="ko-KR" dirty="0">
-                <a:solidFill>
-                  <a:srgbClr val="0070C0"/>
-                </a:solidFill>
-                <a:latin typeface="KoPubWorld돋움체 Bold" panose="00000800000000000000" pitchFamily="2" charset="-127"/>
-                <a:ea typeface="KoPubWorld돋움체 Bold" panose="00000800000000000000" pitchFamily="2" charset="-127"/>
-                <a:cs typeface="KoPubWorld돋움체 Bold" panose="00000800000000000000" pitchFamily="2" charset="-127"/>
-              </a:rPr>
-              <a:t> -&gt; </a:t>
-            </a:r>
-            <a:r>
-              <a:rPr lang="ko-KR" altLang="en-US" dirty="0" err="1">
-                <a:solidFill>
-                  <a:srgbClr val="0070C0"/>
-                </a:solidFill>
-                <a:latin typeface="KoPubWorld돋움체 Bold" panose="00000800000000000000" pitchFamily="2" charset="-127"/>
-                <a:ea typeface="KoPubWorld돋움체 Bold" panose="00000800000000000000" pitchFamily="2" charset="-127"/>
-                <a:cs typeface="KoPubWorld돋움체 Bold" panose="00000800000000000000" pitchFamily="2" charset="-127"/>
-              </a:rPr>
-              <a:t>줄단위</a:t>
-            </a:r>
-            <a:r>
-              <a:rPr lang="ko-KR" altLang="en-US" dirty="0">
-                <a:solidFill>
-                  <a:srgbClr val="0070C0"/>
-                </a:solidFill>
-                <a:latin typeface="KoPubWorld돋움체 Bold" panose="00000800000000000000" pitchFamily="2" charset="-127"/>
-                <a:ea typeface="KoPubWorld돋움체 Bold" panose="00000800000000000000" pitchFamily="2" charset="-127"/>
-                <a:cs typeface="KoPubWorld돋움체 Bold" panose="00000800000000000000" pitchFamily="2" charset="-127"/>
-              </a:rPr>
-              <a:t> 블록설정</a:t>
-            </a:r>
-            <a:endParaRPr lang="en-US" altLang="ko-KR" dirty="0">
-              <a:solidFill>
-                <a:srgbClr val="0070C0"/>
-              </a:solidFill>
-              <a:latin typeface="KoPubWorld돋움체 Bold" panose="00000800000000000000" pitchFamily="2" charset="-127"/>
-              <a:ea typeface="KoPubWorld돋움체 Bold" panose="00000800000000000000" pitchFamily="2" charset="-127"/>
-              <a:cs typeface="KoPubWorld돋움체 Bold" panose="00000800000000000000" pitchFamily="2" charset="-127"/>
-            </a:endParaRPr>
-          </a:p>
-          <a:p>
-            <a:r>
-              <a:rPr lang="en-US" altLang="ko-KR" dirty="0">
-                <a:solidFill>
-                  <a:srgbClr val="FFC000"/>
-                </a:solidFill>
-                <a:latin typeface="KoPubWorld돋움체 Bold" panose="00000800000000000000" pitchFamily="2" charset="-127"/>
-                <a:ea typeface="KoPubWorld돋움체 Bold" panose="00000800000000000000" pitchFamily="2" charset="-127"/>
-                <a:cs typeface="KoPubWorld돋움체 Bold" panose="00000800000000000000" pitchFamily="2" charset="-127"/>
-              </a:rPr>
-              <a:t>f4</a:t>
-            </a:r>
-            <a:r>
-              <a:rPr lang="en-US" altLang="ko-KR" dirty="0">
-                <a:solidFill>
-                  <a:srgbClr val="0070C0"/>
-                </a:solidFill>
-                <a:latin typeface="KoPubWorld돋움체 Bold" panose="00000800000000000000" pitchFamily="2" charset="-127"/>
-                <a:ea typeface="KoPubWorld돋움체 Bold" panose="00000800000000000000" pitchFamily="2" charset="-127"/>
-                <a:cs typeface="KoPubWorld돋움체 Bold" panose="00000800000000000000" pitchFamily="2" charset="-127"/>
-              </a:rPr>
-              <a:t> -&gt; </a:t>
-            </a:r>
-            <a:r>
-              <a:rPr lang="ko-KR" altLang="en-US" dirty="0" err="1">
-                <a:solidFill>
-                  <a:srgbClr val="0070C0"/>
-                </a:solidFill>
-                <a:latin typeface="KoPubWorld돋움체 Bold" panose="00000800000000000000" pitchFamily="2" charset="-127"/>
-                <a:ea typeface="KoPubWorld돋움체 Bold" panose="00000800000000000000" pitchFamily="2" charset="-127"/>
-                <a:cs typeface="KoPubWorld돋움체 Bold" panose="00000800000000000000" pitchFamily="2" charset="-127"/>
-              </a:rPr>
-              <a:t>칸단위</a:t>
-            </a:r>
-            <a:r>
-              <a:rPr lang="ko-KR" altLang="en-US" dirty="0">
-                <a:solidFill>
-                  <a:srgbClr val="0070C0"/>
-                </a:solidFill>
-                <a:latin typeface="KoPubWorld돋움체 Bold" panose="00000800000000000000" pitchFamily="2" charset="-127"/>
-                <a:ea typeface="KoPubWorld돋움체 Bold" panose="00000800000000000000" pitchFamily="2" charset="-127"/>
-                <a:cs typeface="KoPubWorld돋움체 Bold" panose="00000800000000000000" pitchFamily="2" charset="-127"/>
-              </a:rPr>
-              <a:t> 블록설정</a:t>
-            </a:r>
-            <a:endParaRPr lang="en-US" altLang="ko-KR" dirty="0">
-              <a:solidFill>
-                <a:srgbClr val="0070C0"/>
-              </a:solidFill>
-              <a:latin typeface="KoPubWorld돋움체 Bold" panose="00000800000000000000" pitchFamily="2" charset="-127"/>
-              <a:ea typeface="KoPubWorld돋움체 Bold" panose="00000800000000000000" pitchFamily="2" charset="-127"/>
-              <a:cs typeface="KoPubWorld돋움체 Bold" panose="00000800000000000000" pitchFamily="2" charset="-127"/>
-            </a:endParaRPr>
-          </a:p>
-          <a:p>
-            <a:r>
-              <a:rPr lang="en-US" altLang="ko-KR" dirty="0">
-                <a:solidFill>
-                  <a:srgbClr val="FFC000"/>
-                </a:solidFill>
-                <a:latin typeface="KoPubWorld돋움체 Bold" panose="00000800000000000000" pitchFamily="2" charset="-127"/>
-                <a:ea typeface="KoPubWorld돋움체 Bold" panose="00000800000000000000" pitchFamily="2" charset="-127"/>
-                <a:cs typeface="KoPubWorld돋움체 Bold" panose="00000800000000000000" pitchFamily="2" charset="-127"/>
-              </a:rPr>
-              <a:t>f6</a:t>
-            </a:r>
-            <a:r>
-              <a:rPr lang="en-US" altLang="ko-KR" dirty="0">
-                <a:solidFill>
-                  <a:srgbClr val="0070C0"/>
-                </a:solidFill>
-                <a:latin typeface="KoPubWorld돋움체 Bold" panose="00000800000000000000" pitchFamily="2" charset="-127"/>
-                <a:ea typeface="KoPubWorld돋움체 Bold" panose="00000800000000000000" pitchFamily="2" charset="-127"/>
-                <a:cs typeface="KoPubWorld돋움체 Bold" panose="00000800000000000000" pitchFamily="2" charset="-127"/>
-              </a:rPr>
-              <a:t> -&gt; </a:t>
-            </a:r>
-            <a:r>
-              <a:rPr lang="ko-KR" altLang="en-US" dirty="0">
-                <a:solidFill>
-                  <a:srgbClr val="0070C0"/>
-                </a:solidFill>
-                <a:latin typeface="KoPubWorld돋움체 Bold" panose="00000800000000000000" pitchFamily="2" charset="-127"/>
-                <a:ea typeface="KoPubWorld돋움체 Bold" panose="00000800000000000000" pitchFamily="2" charset="-127"/>
-                <a:cs typeface="KoPubWorld돋움체 Bold" panose="00000800000000000000" pitchFamily="2" charset="-127"/>
-              </a:rPr>
-              <a:t>문단 스타일</a:t>
-            </a:r>
-            <a:endParaRPr lang="en-US" altLang="ko-KR" dirty="0">
-              <a:solidFill>
-                <a:srgbClr val="0070C0"/>
-              </a:solidFill>
-              <a:latin typeface="KoPubWorld돋움체 Bold" panose="00000800000000000000" pitchFamily="2" charset="-127"/>
-              <a:ea typeface="KoPubWorld돋움체 Bold" panose="00000800000000000000" pitchFamily="2" charset="-127"/>
-              <a:cs typeface="KoPubWorld돋움체 Bold" panose="00000800000000000000" pitchFamily="2" charset="-127"/>
-            </a:endParaRPr>
-          </a:p>
-        </p:txBody>
-      </p:sp>
     </p:spTree>
     <p:extLst>
       <p:ext uri="{BB962C8B-B14F-4D97-AF65-F5344CB8AC3E}">
@@ -4487,30 +5222,30 @@
           <a:p>
             <a:r>
               <a:rPr lang="en-US" altLang="ko-KR" dirty="0"/>
-              <a:t>2019 1</a:t>
+              <a:t>2017 </a:t>
+            </a:r>
+            <a:r>
+              <a:rPr lang="ko-KR" altLang="en-US" dirty="0"/>
+              <a:t>동계</a:t>
+            </a:r>
+            <a:r>
+              <a:rPr lang="en-US" altLang="ko-KR" dirty="0"/>
+              <a:t>, 2017 1</a:t>
             </a:r>
             <a:r>
               <a:rPr lang="ko-KR" altLang="en-US" dirty="0"/>
               <a:t>학기</a:t>
             </a:r>
-            <a:r>
-              <a:rPr lang="en-US" altLang="ko-KR" dirty="0"/>
-              <a:t>, 2017 </a:t>
-            </a:r>
-            <a:r>
-              <a:rPr lang="ko-KR" altLang="en-US" dirty="0"/>
-              <a:t>동계</a:t>
-            </a:r>
             <a:endParaRPr lang="en-US" altLang="ko-KR" dirty="0"/>
           </a:p>
         </p:txBody>
       </p:sp>
       <p:pic>
         <p:nvPicPr>
-          <p:cNvPr id="3" name="그림 2">
-            <a:extLst>
-              <a:ext uri="{FF2B5EF4-FFF2-40B4-BE49-F238E27FC236}">
-                <a16:creationId xmlns:a16="http://schemas.microsoft.com/office/drawing/2014/main" id="{D6E6A1CB-97B7-4448-B7FC-7D1BD3E5B20C}"/>
+          <p:cNvPr id="4" name="그림 3">
+            <a:extLst>
+              <a:ext uri="{FF2B5EF4-FFF2-40B4-BE49-F238E27FC236}">
+                <a16:creationId xmlns:a16="http://schemas.microsoft.com/office/drawing/2014/main" id="{3DA559EC-2856-45C5-831C-A6520CE9B92A}"/>
               </a:ext>
             </a:extLst>
           </p:cNvPr>
@@ -4533,8 +5268,8 @@
         </p:blipFill>
         <p:spPr>
           <a:xfrm>
-            <a:off x="580309" y="1595304"/>
-            <a:ext cx="5355771" cy="1018553"/>
+            <a:off x="355148" y="1861919"/>
+            <a:ext cx="5512252" cy="2666957"/>
           </a:xfrm>
           <a:prstGeom prst="rect">
             <a:avLst/>
@@ -4543,10 +5278,10 @@
       </p:pic>
       <p:pic>
         <p:nvPicPr>
-          <p:cNvPr id="5" name="그림 4">
-            <a:extLst>
-              <a:ext uri="{FF2B5EF4-FFF2-40B4-BE49-F238E27FC236}">
-                <a16:creationId xmlns:a16="http://schemas.microsoft.com/office/drawing/2014/main" id="{972D3F36-1B40-4254-93DF-32E1A8CD84A9}"/>
+          <p:cNvPr id="8" name="그림 7">
+            <a:extLst>
+              <a:ext uri="{FF2B5EF4-FFF2-40B4-BE49-F238E27FC236}">
+                <a16:creationId xmlns:a16="http://schemas.microsoft.com/office/drawing/2014/main" id="{0AE4F5CD-D5E2-4F21-B88D-2359AF72A916}"/>
               </a:ext>
             </a:extLst>
           </p:cNvPr>
@@ -4569,773 +5304,18 @@
         </p:blipFill>
         <p:spPr>
           <a:xfrm>
-            <a:off x="6618514" y="1534285"/>
-            <a:ext cx="4993177" cy="1935977"/>
+            <a:off x="6096000" y="2209502"/>
+            <a:ext cx="5377613" cy="2133898"/>
           </a:xfrm>
           <a:prstGeom prst="rect">
             <a:avLst/>
           </a:prstGeom>
         </p:spPr>
       </p:pic>
-      <p:sp>
-        <p:nvSpPr>
-          <p:cNvPr id="15" name="직사각형 14">
-            <a:extLst>
-              <a:ext uri="{FF2B5EF4-FFF2-40B4-BE49-F238E27FC236}">
-                <a16:creationId xmlns:a16="http://schemas.microsoft.com/office/drawing/2014/main" id="{4EAEE0E5-9134-4C55-A508-3B4C2D1EC2BA}"/>
-              </a:ext>
-            </a:extLst>
-          </p:cNvPr>
-          <p:cNvSpPr/>
-          <p:nvPr/>
-        </p:nvSpPr>
-        <p:spPr>
-          <a:xfrm>
-            <a:off x="3196943" y="2308855"/>
-            <a:ext cx="974463" cy="227338"/>
-          </a:xfrm>
-          <a:prstGeom prst="rect">
-            <a:avLst/>
-          </a:prstGeom>
-          <a:noFill/>
-          <a:ln w="38100">
-            <a:solidFill>
-              <a:srgbClr val="C00000"/>
-            </a:solidFill>
-          </a:ln>
-        </p:spPr>
-        <p:style>
-          <a:lnRef idx="2">
-            <a:schemeClr val="accent1">
-              <a:shade val="50000"/>
-            </a:schemeClr>
-          </a:lnRef>
-          <a:fillRef idx="1">
-            <a:schemeClr val="accent1"/>
-          </a:fillRef>
-          <a:effectRef idx="0">
-            <a:schemeClr val="accent1"/>
-          </a:effectRef>
-          <a:fontRef idx="minor">
-            <a:schemeClr val="lt1"/>
-          </a:fontRef>
-        </p:style>
-        <p:txBody>
-          <a:bodyPr rtlCol="0" anchor="ctr"/>
-          <a:lstStyle/>
-          <a:p>
-            <a:pPr algn="ctr"/>
-            <a:endParaRPr lang="ko-KR" altLang="en-US"/>
-          </a:p>
-        </p:txBody>
-      </p:sp>
-      <p:sp>
-        <p:nvSpPr>
-          <p:cNvPr id="17" name="직사각형 16">
-            <a:extLst>
-              <a:ext uri="{FF2B5EF4-FFF2-40B4-BE49-F238E27FC236}">
-                <a16:creationId xmlns:a16="http://schemas.microsoft.com/office/drawing/2014/main" id="{F3FD5A5A-6EDC-479E-B573-A887067E2D0C}"/>
-              </a:ext>
-            </a:extLst>
-          </p:cNvPr>
-          <p:cNvSpPr/>
-          <p:nvPr/>
-        </p:nvSpPr>
-        <p:spPr>
-          <a:xfrm>
-            <a:off x="6780519" y="3112400"/>
-            <a:ext cx="974463" cy="227338"/>
-          </a:xfrm>
-          <a:prstGeom prst="rect">
-            <a:avLst/>
-          </a:prstGeom>
-          <a:noFill/>
-          <a:ln w="38100">
-            <a:solidFill>
-              <a:srgbClr val="C00000"/>
-            </a:solidFill>
-          </a:ln>
-        </p:spPr>
-        <p:style>
-          <a:lnRef idx="2">
-            <a:schemeClr val="accent1">
-              <a:shade val="50000"/>
-            </a:schemeClr>
-          </a:lnRef>
-          <a:fillRef idx="1">
-            <a:schemeClr val="accent1"/>
-          </a:fillRef>
-          <a:effectRef idx="0">
-            <a:schemeClr val="accent1"/>
-          </a:effectRef>
-          <a:fontRef idx="minor">
-            <a:schemeClr val="lt1"/>
-          </a:fontRef>
-        </p:style>
-        <p:txBody>
-          <a:bodyPr rtlCol="0" anchor="ctr"/>
-          <a:lstStyle/>
-          <a:p>
-            <a:pPr algn="ctr"/>
-            <a:endParaRPr lang="ko-KR" altLang="en-US"/>
-          </a:p>
-        </p:txBody>
-      </p:sp>
-      <p:sp>
-        <p:nvSpPr>
-          <p:cNvPr id="23" name="TextBox 22">
-            <a:extLst>
-              <a:ext uri="{FF2B5EF4-FFF2-40B4-BE49-F238E27FC236}">
-                <a16:creationId xmlns:a16="http://schemas.microsoft.com/office/drawing/2014/main" id="{A6A15AEC-A8EA-4080-A587-F12597E1DFEC}"/>
-              </a:ext>
-            </a:extLst>
-          </p:cNvPr>
-          <p:cNvSpPr txBox="1"/>
-          <p:nvPr/>
-        </p:nvSpPr>
-        <p:spPr>
-          <a:xfrm>
-            <a:off x="491842" y="3726004"/>
-            <a:ext cx="7097869" cy="2585323"/>
-          </a:xfrm>
-          <a:prstGeom prst="rect">
-            <a:avLst/>
-          </a:prstGeom>
-          <a:noFill/>
-        </p:spPr>
-        <p:txBody>
-          <a:bodyPr wrap="square" rtlCol="0">
-            <a:spAutoFit/>
-          </a:bodyPr>
-          <a:lstStyle/>
-          <a:p>
-            <a:r>
-              <a:rPr lang="en-US" altLang="ko-KR" dirty="0">
-                <a:solidFill>
-                  <a:srgbClr val="FFC000"/>
-                </a:solidFill>
-                <a:latin typeface="KoPubWorld돋움체 Bold" panose="00000800000000000000" pitchFamily="2" charset="-127"/>
-                <a:ea typeface="KoPubWorld돋움체 Bold" panose="00000800000000000000" pitchFamily="2" charset="-127"/>
-                <a:cs typeface="KoPubWorld돋움체 Bold" panose="00000800000000000000" pitchFamily="2" charset="-127"/>
-              </a:rPr>
-              <a:t>ctrl</a:t>
-            </a:r>
-            <a:r>
-              <a:rPr lang="en-US" altLang="ko-KR" dirty="0">
-                <a:solidFill>
-                  <a:srgbClr val="0070C0"/>
-                </a:solidFill>
-                <a:latin typeface="KoPubWorld돋움체 Bold" panose="00000800000000000000" pitchFamily="2" charset="-127"/>
-                <a:ea typeface="KoPubWorld돋움체 Bold" panose="00000800000000000000" pitchFamily="2" charset="-127"/>
-                <a:cs typeface="KoPubWorld돋움체 Bold" panose="00000800000000000000" pitchFamily="2" charset="-127"/>
-              </a:rPr>
-              <a:t> – </a:t>
-            </a:r>
-            <a:r>
-              <a:rPr lang="ko-KR" altLang="en-US" dirty="0">
-                <a:solidFill>
-                  <a:srgbClr val="0070C0"/>
-                </a:solidFill>
-                <a:latin typeface="KoPubWorld돋움체 Bold" panose="00000800000000000000" pitchFamily="2" charset="-127"/>
-                <a:ea typeface="KoPubWorld돋움체 Bold" panose="00000800000000000000" pitchFamily="2" charset="-127"/>
-                <a:cs typeface="KoPubWorld돋움체 Bold" panose="00000800000000000000" pitchFamily="2" charset="-127"/>
-              </a:rPr>
-              <a:t>단독으로는 아무 </a:t>
-            </a:r>
-            <a:r>
-              <a:rPr lang="ko-KR" altLang="en-US" dirty="0" err="1">
-                <a:solidFill>
-                  <a:srgbClr val="0070C0"/>
-                </a:solidFill>
-                <a:latin typeface="KoPubWorld돋움체 Bold" panose="00000800000000000000" pitchFamily="2" charset="-127"/>
-                <a:ea typeface="KoPubWorld돋움체 Bold" panose="00000800000000000000" pitchFamily="2" charset="-127"/>
-                <a:cs typeface="KoPubWorld돋움체 Bold" panose="00000800000000000000" pitchFamily="2" charset="-127"/>
-              </a:rPr>
-              <a:t>능력없다</a:t>
-            </a:r>
-            <a:r>
-              <a:rPr lang="en-US" altLang="ko-KR" dirty="0">
-                <a:solidFill>
-                  <a:srgbClr val="0070C0"/>
-                </a:solidFill>
-                <a:latin typeface="KoPubWorld돋움체 Bold" panose="00000800000000000000" pitchFamily="2" charset="-127"/>
-                <a:ea typeface="KoPubWorld돋움체 Bold" panose="00000800000000000000" pitchFamily="2" charset="-127"/>
-                <a:cs typeface="KoPubWorld돋움체 Bold" panose="00000800000000000000" pitchFamily="2" charset="-127"/>
-              </a:rPr>
-              <a:t>. </a:t>
-            </a:r>
-            <a:r>
-              <a:rPr lang="ko-KR" altLang="en-US" dirty="0">
-                <a:solidFill>
-                  <a:srgbClr val="0070C0"/>
-                </a:solidFill>
-                <a:latin typeface="KoPubWorld돋움체 Bold" panose="00000800000000000000" pitchFamily="2" charset="-127"/>
-                <a:ea typeface="KoPubWorld돋움체 Bold" panose="00000800000000000000" pitchFamily="2" charset="-127"/>
-                <a:cs typeface="KoPubWorld돋움체 Bold" panose="00000800000000000000" pitchFamily="2" charset="-127"/>
-              </a:rPr>
-              <a:t>다른 기능이랑 </a:t>
-            </a:r>
-            <a:r>
-              <a:rPr lang="ko-KR" altLang="en-US" dirty="0" err="1">
-                <a:solidFill>
-                  <a:srgbClr val="0070C0"/>
-                </a:solidFill>
-                <a:latin typeface="KoPubWorld돋움체 Bold" panose="00000800000000000000" pitchFamily="2" charset="-127"/>
-                <a:ea typeface="KoPubWorld돋움체 Bold" panose="00000800000000000000" pitchFamily="2" charset="-127"/>
-                <a:cs typeface="KoPubWorld돋움체 Bold" panose="00000800000000000000" pitchFamily="2" charset="-127"/>
-              </a:rPr>
-              <a:t>합쳐져야한다</a:t>
-            </a:r>
-            <a:r>
-              <a:rPr lang="en-US" altLang="ko-KR" dirty="0">
-                <a:solidFill>
-                  <a:srgbClr val="0070C0"/>
-                </a:solidFill>
-                <a:latin typeface="KoPubWorld돋움체 Bold" panose="00000800000000000000" pitchFamily="2" charset="-127"/>
-                <a:ea typeface="KoPubWorld돋움체 Bold" panose="00000800000000000000" pitchFamily="2" charset="-127"/>
-                <a:cs typeface="KoPubWorld돋움체 Bold" panose="00000800000000000000" pitchFamily="2" charset="-127"/>
-              </a:rPr>
-              <a:t>,</a:t>
-            </a:r>
-            <a:r>
-              <a:rPr lang="ko-KR" altLang="en-US" dirty="0">
-                <a:solidFill>
-                  <a:srgbClr val="0070C0"/>
-                </a:solidFill>
-                <a:latin typeface="KoPubWorld돋움체 Bold" panose="00000800000000000000" pitchFamily="2" charset="-127"/>
-                <a:ea typeface="KoPubWorld돋움체 Bold" panose="00000800000000000000" pitchFamily="2" charset="-127"/>
-                <a:cs typeface="KoPubWorld돋움체 Bold" panose="00000800000000000000" pitchFamily="2" charset="-127"/>
-              </a:rPr>
-              <a:t> 책에서 나오는 용례는 아래와 같다</a:t>
-            </a:r>
-            <a:r>
-              <a:rPr lang="en-US" altLang="ko-KR" dirty="0">
-                <a:solidFill>
-                  <a:srgbClr val="0070C0"/>
-                </a:solidFill>
-                <a:latin typeface="KoPubWorld돋움체 Bold" panose="00000800000000000000" pitchFamily="2" charset="-127"/>
-                <a:ea typeface="KoPubWorld돋움체 Bold" panose="00000800000000000000" pitchFamily="2" charset="-127"/>
-                <a:cs typeface="KoPubWorld돋움체 Bold" panose="00000800000000000000" pitchFamily="2" charset="-127"/>
-              </a:rPr>
-              <a:t>.</a:t>
-            </a:r>
-          </a:p>
-          <a:p>
-            <a:endParaRPr lang="en-US" altLang="ko-KR" dirty="0">
-              <a:solidFill>
-                <a:srgbClr val="0070C0"/>
-              </a:solidFill>
-              <a:latin typeface="KoPubWorld돋움체 Bold" panose="00000800000000000000" pitchFamily="2" charset="-127"/>
-              <a:ea typeface="KoPubWorld돋움체 Bold" panose="00000800000000000000" pitchFamily="2" charset="-127"/>
-              <a:cs typeface="KoPubWorld돋움체 Bold" panose="00000800000000000000" pitchFamily="2" charset="-127"/>
-            </a:endParaRPr>
-          </a:p>
-          <a:p>
-            <a:r>
-              <a:rPr lang="en-US" altLang="ko-KR" dirty="0">
-                <a:solidFill>
-                  <a:srgbClr val="FFC000"/>
-                </a:solidFill>
-                <a:latin typeface="KoPubWorld돋움체 Bold" panose="00000800000000000000" pitchFamily="2" charset="-127"/>
-                <a:ea typeface="KoPubWorld돋움체 Bold" panose="00000800000000000000" pitchFamily="2" charset="-127"/>
-                <a:cs typeface="KoPubWorld돋움체 Bold" panose="00000800000000000000" pitchFamily="2" charset="-127"/>
-              </a:rPr>
-              <a:t>ctrl</a:t>
-            </a:r>
-            <a:r>
-              <a:rPr lang="ko-KR" altLang="en-US" dirty="0">
-                <a:solidFill>
-                  <a:srgbClr val="FFC000"/>
-                </a:solidFill>
-                <a:latin typeface="KoPubWorld돋움체 Bold" panose="00000800000000000000" pitchFamily="2" charset="-127"/>
-                <a:ea typeface="KoPubWorld돋움체 Bold" panose="00000800000000000000" pitchFamily="2" charset="-127"/>
-                <a:cs typeface="KoPubWorld돋움체 Bold" panose="00000800000000000000" pitchFamily="2" charset="-127"/>
-              </a:rPr>
-              <a:t> </a:t>
-            </a:r>
-            <a:r>
-              <a:rPr lang="en-US" altLang="ko-KR" dirty="0">
-                <a:solidFill>
-                  <a:srgbClr val="FFC000"/>
-                </a:solidFill>
-                <a:latin typeface="KoPubWorld돋움체 Bold" panose="00000800000000000000" pitchFamily="2" charset="-127"/>
-                <a:ea typeface="KoPubWorld돋움체 Bold" panose="00000800000000000000" pitchFamily="2" charset="-127"/>
-                <a:cs typeface="KoPubWorld돋움체 Bold" panose="00000800000000000000" pitchFamily="2" charset="-127"/>
-              </a:rPr>
-              <a:t>+</a:t>
-            </a:r>
-            <a:r>
-              <a:rPr lang="ko-KR" altLang="en-US" dirty="0">
-                <a:solidFill>
-                  <a:srgbClr val="FFC000"/>
-                </a:solidFill>
-                <a:latin typeface="KoPubWorld돋움체 Bold" panose="00000800000000000000" pitchFamily="2" charset="-127"/>
-                <a:ea typeface="KoPubWorld돋움체 Bold" panose="00000800000000000000" pitchFamily="2" charset="-127"/>
-                <a:cs typeface="KoPubWorld돋움체 Bold" panose="00000800000000000000" pitchFamily="2" charset="-127"/>
-              </a:rPr>
-              <a:t> </a:t>
-            </a:r>
-            <a:r>
-              <a:rPr lang="en-US" altLang="ko-KR" dirty="0" err="1">
-                <a:solidFill>
-                  <a:srgbClr val="FFC000"/>
-                </a:solidFill>
-                <a:latin typeface="KoPubWorld돋움체 Bold" panose="00000800000000000000" pitchFamily="2" charset="-127"/>
-                <a:ea typeface="KoPubWorld돋움체 Bold" panose="00000800000000000000" pitchFamily="2" charset="-127"/>
-                <a:cs typeface="KoPubWorld돋움체 Bold" panose="00000800000000000000" pitchFamily="2" charset="-127"/>
-              </a:rPr>
-              <a:t>n,m</a:t>
-            </a:r>
-            <a:r>
-              <a:rPr lang="ko-KR" altLang="en-US" dirty="0">
-                <a:solidFill>
-                  <a:srgbClr val="FFC000"/>
-                </a:solidFill>
-                <a:latin typeface="KoPubWorld돋움체 Bold" panose="00000800000000000000" pitchFamily="2" charset="-127"/>
-                <a:ea typeface="KoPubWorld돋움체 Bold" panose="00000800000000000000" pitchFamily="2" charset="-127"/>
-                <a:cs typeface="KoPubWorld돋움체 Bold" panose="00000800000000000000" pitchFamily="2" charset="-127"/>
-              </a:rPr>
-              <a:t> </a:t>
-            </a:r>
-            <a:r>
-              <a:rPr lang="en-US" altLang="ko-KR" dirty="0">
-                <a:solidFill>
-                  <a:srgbClr val="0070C0"/>
-                </a:solidFill>
-                <a:latin typeface="KoPubWorld돋움체 Bold" panose="00000800000000000000" pitchFamily="2" charset="-127"/>
-                <a:ea typeface="KoPubWorld돋움체 Bold" panose="00000800000000000000" pitchFamily="2" charset="-127"/>
-                <a:cs typeface="KoPubWorld돋움체 Bold" panose="00000800000000000000" pitchFamily="2" charset="-127"/>
-              </a:rPr>
-              <a:t>-&gt;</a:t>
-            </a:r>
-            <a:r>
-              <a:rPr lang="ko-KR" altLang="en-US" dirty="0">
-                <a:solidFill>
-                  <a:srgbClr val="0070C0"/>
-                </a:solidFill>
-                <a:latin typeface="KoPubWorld돋움체 Bold" panose="00000800000000000000" pitchFamily="2" charset="-127"/>
-                <a:ea typeface="KoPubWorld돋움체 Bold" panose="00000800000000000000" pitchFamily="2" charset="-127"/>
-                <a:cs typeface="KoPubWorld돋움체 Bold" panose="00000800000000000000" pitchFamily="2" charset="-127"/>
-              </a:rPr>
-              <a:t> 수식편집기</a:t>
-            </a:r>
-            <a:endParaRPr lang="en-US" altLang="ko-KR" dirty="0">
-              <a:solidFill>
-                <a:srgbClr val="0070C0"/>
-              </a:solidFill>
-              <a:latin typeface="KoPubWorld돋움체 Bold" panose="00000800000000000000" pitchFamily="2" charset="-127"/>
-              <a:ea typeface="KoPubWorld돋움체 Bold" panose="00000800000000000000" pitchFamily="2" charset="-127"/>
-              <a:cs typeface="KoPubWorld돋움체 Bold" panose="00000800000000000000" pitchFamily="2" charset="-127"/>
-            </a:endParaRPr>
-          </a:p>
-          <a:p>
-            <a:r>
-              <a:rPr lang="en-US" altLang="ko-KR" dirty="0">
-                <a:solidFill>
-                  <a:srgbClr val="FFC000"/>
-                </a:solidFill>
-                <a:latin typeface="KoPubWorld돋움체 Bold" panose="00000800000000000000" pitchFamily="2" charset="-127"/>
-                <a:ea typeface="KoPubWorld돋움체 Bold" panose="00000800000000000000" pitchFamily="2" charset="-127"/>
-                <a:cs typeface="KoPubWorld돋움체 Bold" panose="00000800000000000000" pitchFamily="2" charset="-127"/>
-              </a:rPr>
-              <a:t>ctrl + f10 </a:t>
-            </a:r>
-            <a:r>
-              <a:rPr lang="en-US" altLang="ko-KR" dirty="0">
-                <a:solidFill>
-                  <a:srgbClr val="0070C0"/>
-                </a:solidFill>
-                <a:latin typeface="KoPubWorld돋움체 Bold" panose="00000800000000000000" pitchFamily="2" charset="-127"/>
-                <a:ea typeface="KoPubWorld돋움체 Bold" panose="00000800000000000000" pitchFamily="2" charset="-127"/>
-                <a:cs typeface="KoPubWorld돋움체 Bold" panose="00000800000000000000" pitchFamily="2" charset="-127"/>
-              </a:rPr>
-              <a:t>-&gt; </a:t>
-            </a:r>
-            <a:r>
-              <a:rPr lang="ko-KR" altLang="en-US" dirty="0">
-                <a:solidFill>
-                  <a:srgbClr val="0070C0"/>
-                </a:solidFill>
-                <a:latin typeface="KoPubWorld돋움체 Bold" panose="00000800000000000000" pitchFamily="2" charset="-127"/>
-                <a:ea typeface="KoPubWorld돋움체 Bold" panose="00000800000000000000" pitchFamily="2" charset="-127"/>
-                <a:cs typeface="KoPubWorld돋움체 Bold" panose="00000800000000000000" pitchFamily="2" charset="-127"/>
-              </a:rPr>
-              <a:t>문자표</a:t>
-            </a:r>
-            <a:endParaRPr lang="en-US" altLang="ko-KR" dirty="0">
-              <a:solidFill>
-                <a:srgbClr val="0070C0"/>
-              </a:solidFill>
-              <a:latin typeface="KoPubWorld돋움체 Bold" panose="00000800000000000000" pitchFamily="2" charset="-127"/>
-              <a:ea typeface="KoPubWorld돋움체 Bold" panose="00000800000000000000" pitchFamily="2" charset="-127"/>
-              <a:cs typeface="KoPubWorld돋움체 Bold" panose="00000800000000000000" pitchFamily="2" charset="-127"/>
-            </a:endParaRPr>
-          </a:p>
-          <a:p>
-            <a:r>
-              <a:rPr lang="en-US" altLang="ko-KR" dirty="0">
-                <a:solidFill>
-                  <a:srgbClr val="0070C0"/>
-                </a:solidFill>
-                <a:latin typeface="KoPubWorld돋움체 Bold" panose="00000800000000000000" pitchFamily="2" charset="-127"/>
-                <a:ea typeface="KoPubWorld돋움체 Bold" panose="00000800000000000000" pitchFamily="2" charset="-127"/>
-                <a:cs typeface="KoPubWorld돋움체 Bold" panose="00000800000000000000" pitchFamily="2" charset="-127"/>
-              </a:rPr>
-              <a:t>(</a:t>
-            </a:r>
-            <a:r>
-              <a:rPr lang="ko-KR" altLang="en-US" dirty="0">
-                <a:solidFill>
-                  <a:srgbClr val="0070C0"/>
-                </a:solidFill>
-                <a:latin typeface="KoPubWorld돋움체 Bold" panose="00000800000000000000" pitchFamily="2" charset="-127"/>
-                <a:ea typeface="KoPubWorld돋움체 Bold" panose="00000800000000000000" pitchFamily="2" charset="-127"/>
-                <a:cs typeface="KoPubWorld돋움체 Bold" panose="00000800000000000000" pitchFamily="2" charset="-127"/>
-              </a:rPr>
-              <a:t>표에서</a:t>
-            </a:r>
-            <a:r>
-              <a:rPr lang="en-US" altLang="ko-KR" dirty="0">
-                <a:solidFill>
-                  <a:srgbClr val="0070C0"/>
-                </a:solidFill>
-                <a:latin typeface="KoPubWorld돋움체 Bold" panose="00000800000000000000" pitchFamily="2" charset="-127"/>
-                <a:ea typeface="KoPubWorld돋움체 Bold" panose="00000800000000000000" pitchFamily="2" charset="-127"/>
-                <a:cs typeface="KoPubWorld돋움체 Bold" panose="00000800000000000000" pitchFamily="2" charset="-127"/>
-              </a:rPr>
-              <a:t>) </a:t>
-            </a:r>
-            <a:r>
-              <a:rPr lang="en-US" altLang="ko-KR" dirty="0">
-                <a:solidFill>
-                  <a:srgbClr val="FFC000"/>
-                </a:solidFill>
-                <a:latin typeface="KoPubWorld돋움체 Bold" panose="00000800000000000000" pitchFamily="2" charset="-127"/>
-                <a:ea typeface="KoPubWorld돋움체 Bold" panose="00000800000000000000" pitchFamily="2" charset="-127"/>
-                <a:cs typeface="KoPubWorld돋움체 Bold" panose="00000800000000000000" pitchFamily="2" charset="-127"/>
-              </a:rPr>
-              <a:t>ctrl + </a:t>
-            </a:r>
-            <a:r>
-              <a:rPr lang="ko-KR" altLang="en-US" dirty="0">
-                <a:solidFill>
-                  <a:srgbClr val="FFC000"/>
-                </a:solidFill>
-                <a:latin typeface="KoPubWorld돋움체 Bold" panose="00000800000000000000" pitchFamily="2" charset="-127"/>
-                <a:ea typeface="KoPubWorld돋움체 Bold" panose="00000800000000000000" pitchFamily="2" charset="-127"/>
-                <a:cs typeface="KoPubWorld돋움체 Bold" panose="00000800000000000000" pitchFamily="2" charset="-127"/>
-              </a:rPr>
-              <a:t>셀 선택 </a:t>
-            </a:r>
-            <a:r>
-              <a:rPr lang="en-US" altLang="ko-KR" dirty="0">
-                <a:solidFill>
-                  <a:srgbClr val="0070C0"/>
-                </a:solidFill>
-                <a:latin typeface="KoPubWorld돋움체 Bold" panose="00000800000000000000" pitchFamily="2" charset="-127"/>
-                <a:ea typeface="KoPubWorld돋움체 Bold" panose="00000800000000000000" pitchFamily="2" charset="-127"/>
-                <a:cs typeface="KoPubWorld돋움체 Bold" panose="00000800000000000000" pitchFamily="2" charset="-127"/>
-              </a:rPr>
-              <a:t>-&gt; </a:t>
-            </a:r>
-            <a:r>
-              <a:rPr lang="ko-KR" altLang="en-US" dirty="0">
-                <a:solidFill>
-                  <a:srgbClr val="0070C0"/>
-                </a:solidFill>
-                <a:latin typeface="KoPubWorld돋움체 Bold" panose="00000800000000000000" pitchFamily="2" charset="-127"/>
-                <a:ea typeface="KoPubWorld돋움체 Bold" panose="00000800000000000000" pitchFamily="2" charset="-127"/>
-                <a:cs typeface="KoPubWorld돋움체 Bold" panose="00000800000000000000" pitchFamily="2" charset="-127"/>
-              </a:rPr>
-              <a:t>이웃하지 않는 셀들 선택 </a:t>
-            </a:r>
-            <a:r>
-              <a:rPr lang="en-US" altLang="ko-KR" dirty="0">
-                <a:solidFill>
-                  <a:srgbClr val="C00000"/>
-                </a:solidFill>
-                <a:latin typeface="KoPubWorld돋움체 Bold" panose="00000800000000000000" pitchFamily="2" charset="-127"/>
-                <a:ea typeface="KoPubWorld돋움체 Bold" panose="00000800000000000000" pitchFamily="2" charset="-127"/>
-                <a:cs typeface="KoPubWorld돋움체 Bold" panose="00000800000000000000" pitchFamily="2" charset="-127"/>
-              </a:rPr>
-              <a:t>(82p</a:t>
-            </a:r>
-            <a:r>
-              <a:rPr lang="ko-KR" altLang="en-US" dirty="0">
-                <a:solidFill>
-                  <a:srgbClr val="C00000"/>
-                </a:solidFill>
-                <a:latin typeface="KoPubWorld돋움체 Bold" panose="00000800000000000000" pitchFamily="2" charset="-127"/>
-                <a:ea typeface="KoPubWorld돋움체 Bold" panose="00000800000000000000" pitchFamily="2" charset="-127"/>
-                <a:cs typeface="KoPubWorld돋움체 Bold" panose="00000800000000000000" pitchFamily="2" charset="-127"/>
-              </a:rPr>
-              <a:t>연습문제에서 존재</a:t>
-            </a:r>
-            <a:r>
-              <a:rPr lang="en-US" altLang="ko-KR" dirty="0">
-                <a:solidFill>
-                  <a:srgbClr val="C00000"/>
-                </a:solidFill>
-                <a:latin typeface="KoPubWorld돋움체 Bold" panose="00000800000000000000" pitchFamily="2" charset="-127"/>
-                <a:ea typeface="KoPubWorld돋움체 Bold" panose="00000800000000000000" pitchFamily="2" charset="-127"/>
-                <a:cs typeface="KoPubWorld돋움체 Bold" panose="00000800000000000000" pitchFamily="2" charset="-127"/>
-              </a:rPr>
-              <a:t>)</a:t>
-            </a:r>
-          </a:p>
-          <a:p>
-            <a:r>
-              <a:rPr lang="en-US" altLang="ko-KR" dirty="0">
-                <a:solidFill>
-                  <a:srgbClr val="FFC000"/>
-                </a:solidFill>
-                <a:latin typeface="KoPubWorld돋움체 Bold" panose="00000800000000000000" pitchFamily="2" charset="-127"/>
-                <a:ea typeface="KoPubWorld돋움체 Bold" panose="00000800000000000000" pitchFamily="2" charset="-127"/>
-                <a:cs typeface="KoPubWorld돋움체 Bold" panose="00000800000000000000" pitchFamily="2" charset="-127"/>
-              </a:rPr>
-              <a:t>ctrl + x </a:t>
-            </a:r>
-            <a:r>
-              <a:rPr lang="en-US" altLang="ko-KR" dirty="0">
-                <a:solidFill>
-                  <a:srgbClr val="0070C0"/>
-                </a:solidFill>
-                <a:latin typeface="KoPubWorld돋움체 Bold" panose="00000800000000000000" pitchFamily="2" charset="-127"/>
-                <a:ea typeface="KoPubWorld돋움체 Bold" panose="00000800000000000000" pitchFamily="2" charset="-127"/>
-                <a:cs typeface="KoPubWorld돋움체 Bold" panose="00000800000000000000" pitchFamily="2" charset="-127"/>
-              </a:rPr>
-              <a:t>-&gt; </a:t>
-            </a:r>
-            <a:r>
-              <a:rPr lang="ko-KR" altLang="en-US" dirty="0" err="1">
-                <a:solidFill>
-                  <a:srgbClr val="0070C0"/>
-                </a:solidFill>
-                <a:latin typeface="KoPubWorld돋움체 Bold" panose="00000800000000000000" pitchFamily="2" charset="-127"/>
-                <a:ea typeface="KoPubWorld돋움체 Bold" panose="00000800000000000000" pitchFamily="2" charset="-127"/>
-                <a:cs typeface="KoPubWorld돋움체 Bold" panose="00000800000000000000" pitchFamily="2" charset="-127"/>
-              </a:rPr>
-              <a:t>잘라내기</a:t>
-            </a:r>
-            <a:endParaRPr lang="en-US" altLang="ko-KR" dirty="0">
-              <a:solidFill>
-                <a:srgbClr val="0070C0"/>
-              </a:solidFill>
-              <a:latin typeface="KoPubWorld돋움체 Bold" panose="00000800000000000000" pitchFamily="2" charset="-127"/>
-              <a:ea typeface="KoPubWorld돋움체 Bold" panose="00000800000000000000" pitchFamily="2" charset="-127"/>
-              <a:cs typeface="KoPubWorld돋움체 Bold" panose="00000800000000000000" pitchFamily="2" charset="-127"/>
-            </a:endParaRPr>
-          </a:p>
-          <a:p>
-            <a:r>
-              <a:rPr lang="en-US" altLang="ko-KR" dirty="0">
-                <a:solidFill>
-                  <a:srgbClr val="FFC000"/>
-                </a:solidFill>
-                <a:latin typeface="KoPubWorld돋움체 Bold" panose="00000800000000000000" pitchFamily="2" charset="-127"/>
-                <a:ea typeface="KoPubWorld돋움체 Bold" panose="00000800000000000000" pitchFamily="2" charset="-127"/>
-                <a:cs typeface="KoPubWorld돋움체 Bold" panose="00000800000000000000" pitchFamily="2" charset="-127"/>
-              </a:rPr>
-              <a:t>ctrl + c </a:t>
-            </a:r>
-            <a:r>
-              <a:rPr lang="en-US" altLang="ko-KR" dirty="0">
-                <a:solidFill>
-                  <a:srgbClr val="0070C0"/>
-                </a:solidFill>
-                <a:latin typeface="KoPubWorld돋움체 Bold" panose="00000800000000000000" pitchFamily="2" charset="-127"/>
-                <a:ea typeface="KoPubWorld돋움체 Bold" panose="00000800000000000000" pitchFamily="2" charset="-127"/>
-                <a:cs typeface="KoPubWorld돋움체 Bold" panose="00000800000000000000" pitchFamily="2" charset="-127"/>
-              </a:rPr>
-              <a:t>-&gt; </a:t>
-            </a:r>
-            <a:r>
-              <a:rPr lang="ko-KR" altLang="en-US" dirty="0">
-                <a:solidFill>
-                  <a:srgbClr val="0070C0"/>
-                </a:solidFill>
-                <a:latin typeface="KoPubWorld돋움체 Bold" panose="00000800000000000000" pitchFamily="2" charset="-127"/>
-                <a:ea typeface="KoPubWorld돋움체 Bold" panose="00000800000000000000" pitchFamily="2" charset="-127"/>
-                <a:cs typeface="KoPubWorld돋움체 Bold" panose="00000800000000000000" pitchFamily="2" charset="-127"/>
-              </a:rPr>
-              <a:t>복사하기</a:t>
-            </a:r>
-            <a:endParaRPr lang="en-US" altLang="ko-KR" dirty="0">
-              <a:solidFill>
-                <a:srgbClr val="0070C0"/>
-              </a:solidFill>
-              <a:latin typeface="KoPubWorld돋움체 Bold" panose="00000800000000000000" pitchFamily="2" charset="-127"/>
-              <a:ea typeface="KoPubWorld돋움체 Bold" panose="00000800000000000000" pitchFamily="2" charset="-127"/>
-              <a:cs typeface="KoPubWorld돋움체 Bold" panose="00000800000000000000" pitchFamily="2" charset="-127"/>
-            </a:endParaRPr>
-          </a:p>
-          <a:p>
-            <a:r>
-              <a:rPr lang="en-US" altLang="ko-KR" dirty="0">
-                <a:solidFill>
-                  <a:srgbClr val="FFC000"/>
-                </a:solidFill>
-                <a:latin typeface="KoPubWorld돋움체 Bold" panose="00000800000000000000" pitchFamily="2" charset="-127"/>
-                <a:ea typeface="KoPubWorld돋움체 Bold" panose="00000800000000000000" pitchFamily="2" charset="-127"/>
-                <a:cs typeface="KoPubWorld돋움체 Bold" panose="00000800000000000000" pitchFamily="2" charset="-127"/>
-              </a:rPr>
-              <a:t>ctrl + v </a:t>
-            </a:r>
-            <a:r>
-              <a:rPr lang="en-US" altLang="ko-KR" dirty="0">
-                <a:solidFill>
-                  <a:srgbClr val="0070C0"/>
-                </a:solidFill>
-                <a:latin typeface="KoPubWorld돋움체 Bold" panose="00000800000000000000" pitchFamily="2" charset="-127"/>
-                <a:ea typeface="KoPubWorld돋움체 Bold" panose="00000800000000000000" pitchFamily="2" charset="-127"/>
-                <a:cs typeface="KoPubWorld돋움체 Bold" panose="00000800000000000000" pitchFamily="2" charset="-127"/>
-              </a:rPr>
-              <a:t>-&gt; </a:t>
-            </a:r>
-            <a:r>
-              <a:rPr lang="ko-KR" altLang="en-US" dirty="0" err="1">
-                <a:solidFill>
-                  <a:srgbClr val="0070C0"/>
-                </a:solidFill>
-                <a:latin typeface="KoPubWorld돋움체 Bold" panose="00000800000000000000" pitchFamily="2" charset="-127"/>
-                <a:ea typeface="KoPubWorld돋움체 Bold" panose="00000800000000000000" pitchFamily="2" charset="-127"/>
-                <a:cs typeface="KoPubWorld돋움체 Bold" panose="00000800000000000000" pitchFamily="2" charset="-127"/>
-              </a:rPr>
-              <a:t>붙혀넣기</a:t>
-            </a:r>
-            <a:endParaRPr lang="en-US" altLang="ko-KR" dirty="0">
-              <a:solidFill>
-                <a:srgbClr val="0070C0"/>
-              </a:solidFill>
-              <a:latin typeface="KoPubWorld돋움체 Bold" panose="00000800000000000000" pitchFamily="2" charset="-127"/>
-              <a:ea typeface="KoPubWorld돋움체 Bold" panose="00000800000000000000" pitchFamily="2" charset="-127"/>
-              <a:cs typeface="KoPubWorld돋움체 Bold" panose="00000800000000000000" pitchFamily="2" charset="-127"/>
-            </a:endParaRPr>
-          </a:p>
-        </p:txBody>
-      </p:sp>
-      <p:sp>
-        <p:nvSpPr>
-          <p:cNvPr id="24" name="TextBox 23">
-            <a:extLst>
-              <a:ext uri="{FF2B5EF4-FFF2-40B4-BE49-F238E27FC236}">
-                <a16:creationId xmlns:a16="http://schemas.microsoft.com/office/drawing/2014/main" id="{FD32D827-4727-4527-BC9A-820076AD3068}"/>
-              </a:ext>
-            </a:extLst>
-          </p:cNvPr>
-          <p:cNvSpPr txBox="1"/>
-          <p:nvPr/>
-        </p:nvSpPr>
-        <p:spPr>
-          <a:xfrm>
-            <a:off x="8604069" y="4134700"/>
-            <a:ext cx="2360022" cy="923330"/>
-          </a:xfrm>
-          <a:prstGeom prst="rect">
-            <a:avLst/>
-          </a:prstGeom>
-          <a:noFill/>
-        </p:spPr>
-        <p:txBody>
-          <a:bodyPr wrap="square">
-            <a:spAutoFit/>
-          </a:bodyPr>
-          <a:lstStyle/>
-          <a:p>
-            <a:r>
-              <a:rPr lang="en-US" altLang="ko-KR" dirty="0">
-                <a:solidFill>
-                  <a:srgbClr val="FFC000"/>
-                </a:solidFill>
-                <a:latin typeface="KoPubWorld돋움체 Bold" panose="00000800000000000000" pitchFamily="2" charset="-127"/>
-                <a:ea typeface="KoPubWorld돋움체 Bold" panose="00000800000000000000" pitchFamily="2" charset="-127"/>
-                <a:cs typeface="KoPubWorld돋움체 Bold" panose="00000800000000000000" pitchFamily="2" charset="-127"/>
-              </a:rPr>
-              <a:t>f5</a:t>
-            </a:r>
-            <a:r>
-              <a:rPr lang="en-US" altLang="ko-KR" dirty="0">
-                <a:solidFill>
-                  <a:srgbClr val="0070C0"/>
-                </a:solidFill>
-                <a:latin typeface="KoPubWorld돋움체 Bold" panose="00000800000000000000" pitchFamily="2" charset="-127"/>
-                <a:ea typeface="KoPubWorld돋움체 Bold" panose="00000800000000000000" pitchFamily="2" charset="-127"/>
-                <a:cs typeface="KoPubWorld돋움체 Bold" panose="00000800000000000000" pitchFamily="2" charset="-127"/>
-              </a:rPr>
-              <a:t> -&gt; </a:t>
-            </a:r>
-            <a:r>
-              <a:rPr lang="ko-KR" altLang="en-US" dirty="0">
-                <a:solidFill>
-                  <a:srgbClr val="0070C0"/>
-                </a:solidFill>
-                <a:latin typeface="KoPubWorld돋움체 Bold" panose="00000800000000000000" pitchFamily="2" charset="-127"/>
-                <a:ea typeface="KoPubWorld돋움체 Bold" panose="00000800000000000000" pitchFamily="2" charset="-127"/>
-                <a:cs typeface="KoPubWorld돋움체 Bold" panose="00000800000000000000" pitchFamily="2" charset="-127"/>
-              </a:rPr>
-              <a:t>셀 설정</a:t>
-            </a:r>
-            <a:endParaRPr lang="en-US" altLang="ko-KR" dirty="0">
-              <a:solidFill>
-                <a:srgbClr val="0070C0"/>
-              </a:solidFill>
-              <a:latin typeface="KoPubWorld돋움체 Bold" panose="00000800000000000000" pitchFamily="2" charset="-127"/>
-              <a:ea typeface="KoPubWorld돋움체 Bold" panose="00000800000000000000" pitchFamily="2" charset="-127"/>
-              <a:cs typeface="KoPubWorld돋움체 Bold" panose="00000800000000000000" pitchFamily="2" charset="-127"/>
-            </a:endParaRPr>
-          </a:p>
-          <a:p>
-            <a:r>
-              <a:rPr lang="en-US" altLang="ko-KR" dirty="0">
-                <a:solidFill>
-                  <a:srgbClr val="FFC000"/>
-                </a:solidFill>
-                <a:latin typeface="KoPubWorld돋움체 Bold" panose="00000800000000000000" pitchFamily="2" charset="-127"/>
-                <a:ea typeface="KoPubWorld돋움체 Bold" panose="00000800000000000000" pitchFamily="2" charset="-127"/>
-                <a:cs typeface="KoPubWorld돋움체 Bold" panose="00000800000000000000" pitchFamily="2" charset="-127"/>
-              </a:rPr>
-              <a:t>f7</a:t>
-            </a:r>
-            <a:r>
-              <a:rPr lang="en-US" altLang="ko-KR" dirty="0">
-                <a:solidFill>
-                  <a:srgbClr val="0070C0"/>
-                </a:solidFill>
-                <a:latin typeface="KoPubWorld돋움체 Bold" panose="00000800000000000000" pitchFamily="2" charset="-127"/>
-                <a:ea typeface="KoPubWorld돋움체 Bold" panose="00000800000000000000" pitchFamily="2" charset="-127"/>
-                <a:cs typeface="KoPubWorld돋움체 Bold" panose="00000800000000000000" pitchFamily="2" charset="-127"/>
-              </a:rPr>
-              <a:t> -&gt; </a:t>
-            </a:r>
-            <a:r>
-              <a:rPr lang="ko-KR" altLang="en-US" dirty="0">
-                <a:solidFill>
-                  <a:srgbClr val="0070C0"/>
-                </a:solidFill>
-                <a:latin typeface="KoPubWorld돋움체 Bold" panose="00000800000000000000" pitchFamily="2" charset="-127"/>
-                <a:ea typeface="KoPubWorld돋움체 Bold" panose="00000800000000000000" pitchFamily="2" charset="-127"/>
-                <a:cs typeface="KoPubWorld돋움체 Bold" panose="00000800000000000000" pitchFamily="2" charset="-127"/>
-              </a:rPr>
-              <a:t>편집용지 설정</a:t>
-            </a:r>
-            <a:endParaRPr lang="en-US" altLang="ko-KR" dirty="0">
-              <a:solidFill>
-                <a:srgbClr val="0070C0"/>
-              </a:solidFill>
-              <a:latin typeface="KoPubWorld돋움체 Bold" panose="00000800000000000000" pitchFamily="2" charset="-127"/>
-              <a:ea typeface="KoPubWorld돋움체 Bold" panose="00000800000000000000" pitchFamily="2" charset="-127"/>
-              <a:cs typeface="KoPubWorld돋움체 Bold" panose="00000800000000000000" pitchFamily="2" charset="-127"/>
-            </a:endParaRPr>
-          </a:p>
-          <a:p>
-            <a:endParaRPr lang="ko-KR" altLang="en-US" dirty="0"/>
-          </a:p>
-        </p:txBody>
-      </p:sp>
     </p:spTree>
     <p:extLst>
       <p:ext uri="{BB962C8B-B14F-4D97-AF65-F5344CB8AC3E}">
-        <p14:creationId xmlns:p14="http://schemas.microsoft.com/office/powerpoint/2010/main" val="606329364"/>
+        <p14:creationId xmlns:p14="http://schemas.microsoft.com/office/powerpoint/2010/main" val="1201746058"/>
       </p:ext>
     </p:extLst>
   </p:cSld>
@@ -5391,7 +5371,7 @@
                 <a:ea typeface="KoPubWorld돋움체 Bold" panose="00000800000000000000" pitchFamily="2" charset="-127"/>
                 <a:cs typeface="KoPubWorld돋움체 Bold" panose="00000800000000000000" pitchFamily="2" charset="-127"/>
               </a:rPr>
-              <a:t>수식편집기</a:t>
+              <a:t>데이터 입출력</a:t>
             </a:r>
             <a:r>
               <a:rPr lang="en-US" altLang="ko-KR" sz="5400" dirty="0">
@@ -5399,7 +5379,7 @@
                 <a:ea typeface="KoPubWorld돋움체 Bold" panose="00000800000000000000" pitchFamily="2" charset="-127"/>
                 <a:cs typeface="KoPubWorld돋움체 Bold" panose="00000800000000000000" pitchFamily="2" charset="-127"/>
               </a:rPr>
-              <a:t>-6</a:t>
+              <a:t>-5</a:t>
             </a:r>
             <a:r>
               <a:rPr lang="ko-KR" altLang="en-US" sz="5400" dirty="0">
@@ -5434,15 +5414,31 @@
           <a:lstStyle/>
           <a:p>
             <a:r>
-              <a:rPr lang="en-US" altLang="ko-KR" sz="2400" dirty="0">
+              <a:rPr lang="en-US" altLang="ko-KR" dirty="0">
                 <a:latin typeface="KoPubWorld돋움체 Bold" panose="00000800000000000000" pitchFamily="2" charset="-127"/>
                 <a:ea typeface="KoPubWorld돋움체 Bold" panose="00000800000000000000" pitchFamily="2" charset="-127"/>
                 <a:cs typeface="KoPubWorld돋움체 Bold" panose="00000800000000000000" pitchFamily="2" charset="-127"/>
               </a:rPr>
-              <a:t>2</a:t>
-            </a:r>
-            <a:r>
-              <a:rPr lang="ko-KR" altLang="en-US" sz="2400" dirty="0">
+              <a:t>12</a:t>
+            </a:r>
+            <a:r>
+              <a:rPr lang="ko-KR" altLang="en-US" dirty="0">
+                <a:latin typeface="KoPubWorld돋움체 Bold" panose="00000800000000000000" pitchFamily="2" charset="-127"/>
+                <a:ea typeface="KoPubWorld돋움체 Bold" panose="00000800000000000000" pitchFamily="2" charset="-127"/>
+                <a:cs typeface="KoPubWorld돋움체 Bold" panose="00000800000000000000" pitchFamily="2" charset="-127"/>
+              </a:rPr>
+              <a:t>장</a:t>
+            </a:r>
+            <a:r>
+              <a:rPr lang="en-US" altLang="ko-KR" dirty="0">
+                <a:latin typeface="KoPubWorld돋움체 Bold" panose="00000800000000000000" pitchFamily="2" charset="-127"/>
+                <a:ea typeface="KoPubWorld돋움체 Bold" panose="00000800000000000000" pitchFamily="2" charset="-127"/>
+                <a:cs typeface="KoPubWorld돋움체 Bold" panose="00000800000000000000" pitchFamily="2" charset="-127"/>
+              </a:rPr>
+              <a:t>, 13</a:t>
+            </a:r>
+            <a:r>
+              <a:rPr lang="ko-KR" altLang="en-US" dirty="0">
                 <a:latin typeface="KoPubWorld돋움체 Bold" panose="00000800000000000000" pitchFamily="2" charset="-127"/>
                 <a:ea typeface="KoPubWorld돋움체 Bold" panose="00000800000000000000" pitchFamily="2" charset="-127"/>
                 <a:cs typeface="KoPubWorld돋움체 Bold" panose="00000800000000000000" pitchFamily="2" charset="-127"/>
@@ -5450,33 +5446,28 @@
               <a:t>장 </a:t>
             </a:r>
             <a:r>
-              <a:rPr lang="en-US" altLang="ko-KR" sz="2400" dirty="0">
+              <a:rPr lang="en-US" altLang="ko-KR" dirty="0">
                 <a:latin typeface="KoPubWorld돋움체 Bold" panose="00000800000000000000" pitchFamily="2" charset="-127"/>
                 <a:ea typeface="KoPubWorld돋움체 Bold" panose="00000800000000000000" pitchFamily="2" charset="-127"/>
                 <a:cs typeface="KoPubWorld돋움체 Bold" panose="00000800000000000000" pitchFamily="2" charset="-127"/>
               </a:rPr>
-              <a:t>– </a:t>
-            </a:r>
-            <a:r>
-              <a:rPr lang="ko-KR" altLang="en-US" sz="2400" dirty="0">
+              <a:t>– R</a:t>
+            </a:r>
+            <a:r>
+              <a:rPr lang="ko-KR" altLang="en-US" dirty="0">
                 <a:latin typeface="KoPubWorld돋움체 Bold" panose="00000800000000000000" pitchFamily="2" charset="-127"/>
                 <a:ea typeface="KoPubWorld돋움체 Bold" panose="00000800000000000000" pitchFamily="2" charset="-127"/>
                 <a:cs typeface="KoPubWorld돋움체 Bold" panose="00000800000000000000" pitchFamily="2" charset="-127"/>
               </a:rPr>
-              <a:t>데이터분석과 컴퓨터</a:t>
-            </a:r>
-            <a:endParaRPr lang="ko-KR" altLang="en-US" dirty="0">
-              <a:latin typeface="KoPubWorld돋움체 Bold" panose="00000800000000000000" pitchFamily="2" charset="-127"/>
-              <a:ea typeface="KoPubWorld돋움체 Bold" panose="00000800000000000000" pitchFamily="2" charset="-127"/>
-              <a:cs typeface="KoPubWorld돋움체 Bold" panose="00000800000000000000" pitchFamily="2" charset="-127"/>
-            </a:endParaRPr>
+              <a:t>을 활용한 자료분석</a:t>
+            </a:r>
           </a:p>
         </p:txBody>
       </p:sp>
     </p:spTree>
     <p:extLst>
       <p:ext uri="{BB962C8B-B14F-4D97-AF65-F5344CB8AC3E}">
-        <p14:creationId xmlns:p14="http://schemas.microsoft.com/office/powerpoint/2010/main" val="651894593"/>
+        <p14:creationId xmlns:p14="http://schemas.microsoft.com/office/powerpoint/2010/main" val="2261585469"/>
       </p:ext>
     </p:extLst>
   </p:cSld>
@@ -5518,7 +5509,7 @@
         <p:spPr>
           <a:xfrm>
             <a:off x="92476" y="113825"/>
-            <a:ext cx="3869924" cy="369332"/>
+            <a:ext cx="5010747" cy="369332"/>
           </a:xfrm>
           <a:prstGeom prst="rect">
             <a:avLst/>
@@ -5541,7 +5532,7 @@
             </a:r>
             <a:r>
               <a:rPr lang="en-US" altLang="ko-KR" dirty="0"/>
-              <a:t>, 2019 1</a:t>
+              <a:t>, 2018 1</a:t>
             </a:r>
             <a:r>
               <a:rPr lang="ko-KR" altLang="en-US" dirty="0"/>
@@ -5549,206 +5540,22 @@
             </a:r>
             <a:r>
               <a:rPr lang="en-US" altLang="ko-KR" dirty="0"/>
-              <a:t>, 2018 </a:t>
+              <a:t>, 2017 </a:t>
             </a:r>
             <a:r>
               <a:rPr lang="ko-KR" altLang="en-US" dirty="0"/>
               <a:t>동계</a:t>
             </a:r>
-          </a:p>
-        </p:txBody>
-      </p:sp>
-      <p:sp>
-        <p:nvSpPr>
-          <p:cNvPr id="12" name="TextBox 11">
-            <a:extLst>
-              <a:ext uri="{FF2B5EF4-FFF2-40B4-BE49-F238E27FC236}">
-                <a16:creationId xmlns:a16="http://schemas.microsoft.com/office/drawing/2014/main" id="{CCEB8218-1B4B-4A27-8C17-E3D306C43E44}"/>
-              </a:ext>
-            </a:extLst>
-          </p:cNvPr>
-          <p:cNvSpPr txBox="1"/>
-          <p:nvPr/>
-        </p:nvSpPr>
-        <p:spPr>
-          <a:xfrm>
-            <a:off x="2785541" y="4693274"/>
-            <a:ext cx="8162488" cy="1200329"/>
-          </a:xfrm>
-          <a:prstGeom prst="rect">
-            <a:avLst/>
-          </a:prstGeom>
-          <a:noFill/>
-        </p:spPr>
-        <p:txBody>
-          <a:bodyPr wrap="square" rtlCol="0">
-            <a:spAutoFit/>
-          </a:bodyPr>
-          <a:lstStyle/>
-          <a:p>
-            <a:r>
-              <a:rPr lang="en-US" altLang="ko-KR" dirty="0">
-                <a:solidFill>
-                  <a:srgbClr val="0070C0"/>
-                </a:solidFill>
-                <a:latin typeface="KoPubWorld돋움체 Bold" panose="00000800000000000000" pitchFamily="2" charset="-127"/>
-                <a:ea typeface="KoPubWorld돋움체 Bold" panose="00000800000000000000" pitchFamily="2" charset="-127"/>
-                <a:cs typeface="KoPubWorld돋움체 Bold" panose="00000800000000000000" pitchFamily="2" charset="-127"/>
-              </a:rPr>
-              <a:t>(114p)</a:t>
-            </a:r>
-          </a:p>
-          <a:p>
-            <a:r>
-              <a:rPr lang="en-US" altLang="ko-KR" dirty="0">
-                <a:solidFill>
-                  <a:srgbClr val="0070C0"/>
-                </a:solidFill>
-                <a:latin typeface="KoPubWorld돋움체 Bold" panose="00000800000000000000" pitchFamily="2" charset="-127"/>
-                <a:ea typeface="KoPubWorld돋움체 Bold" panose="00000800000000000000" pitchFamily="2" charset="-127"/>
-                <a:cs typeface="KoPubWorld돋움체 Bold" panose="00000800000000000000" pitchFamily="2" charset="-127"/>
-              </a:rPr>
-              <a:t>~</a:t>
-            </a:r>
-            <a:r>
-              <a:rPr lang="ko-KR" altLang="en-US" dirty="0">
-                <a:solidFill>
-                  <a:srgbClr val="0070C0"/>
-                </a:solidFill>
-                <a:latin typeface="KoPubWorld돋움체 Bold" panose="00000800000000000000" pitchFamily="2" charset="-127"/>
-                <a:ea typeface="KoPubWorld돋움체 Bold" panose="00000800000000000000" pitchFamily="2" charset="-127"/>
-                <a:cs typeface="KoPubWorld돋움체 Bold" panose="00000800000000000000" pitchFamily="2" charset="-127"/>
-              </a:rPr>
-              <a:t>는 </a:t>
-            </a:r>
-            <a:r>
-              <a:rPr lang="en-US" altLang="ko-KR" dirty="0">
-                <a:solidFill>
-                  <a:srgbClr val="0070C0"/>
-                </a:solidFill>
-                <a:latin typeface="KoPubWorld돋움체 Bold" panose="00000800000000000000" pitchFamily="2" charset="-127"/>
-                <a:ea typeface="KoPubWorld돋움체 Bold" panose="00000800000000000000" pitchFamily="2" charset="-127"/>
-                <a:cs typeface="KoPubWorld돋움체 Bold" panose="00000800000000000000" pitchFamily="2" charset="-127"/>
-              </a:rPr>
-              <a:t>space</a:t>
-            </a:r>
-            <a:r>
-              <a:rPr lang="ko-KR" altLang="en-US" dirty="0">
-                <a:solidFill>
-                  <a:srgbClr val="0070C0"/>
-                </a:solidFill>
-                <a:latin typeface="KoPubWorld돋움체 Bold" panose="00000800000000000000" pitchFamily="2" charset="-127"/>
-                <a:ea typeface="KoPubWorld돋움체 Bold" panose="00000800000000000000" pitchFamily="2" charset="-127"/>
-                <a:cs typeface="KoPubWorld돋움체 Bold" panose="00000800000000000000" pitchFamily="2" charset="-127"/>
-              </a:rPr>
-              <a:t>누른 효과</a:t>
-            </a:r>
-            <a:endParaRPr lang="en-US" altLang="ko-KR" dirty="0">
-              <a:solidFill>
-                <a:srgbClr val="0070C0"/>
-              </a:solidFill>
-              <a:latin typeface="KoPubWorld돋움체 Bold" panose="00000800000000000000" pitchFamily="2" charset="-127"/>
-              <a:ea typeface="KoPubWorld돋움체 Bold" panose="00000800000000000000" pitchFamily="2" charset="-127"/>
-              <a:cs typeface="KoPubWorld돋움체 Bold" panose="00000800000000000000" pitchFamily="2" charset="-127"/>
-            </a:endParaRPr>
-          </a:p>
-          <a:p>
-            <a:r>
-              <a:rPr lang="en-US" altLang="ko-KR" dirty="0">
-                <a:solidFill>
-                  <a:srgbClr val="0070C0"/>
-                </a:solidFill>
-                <a:latin typeface="KoPubWorld돋움체 Bold" panose="00000800000000000000" pitchFamily="2" charset="-127"/>
-                <a:ea typeface="KoPubWorld돋움체 Bold" panose="00000800000000000000" pitchFamily="2" charset="-127"/>
-                <a:cs typeface="KoPubWorld돋움체 Bold" panose="00000800000000000000" pitchFamily="2" charset="-127"/>
-              </a:rPr>
-              <a:t>&amp;</a:t>
-            </a:r>
-            <a:r>
-              <a:rPr lang="ko-KR" altLang="en-US" dirty="0">
-                <a:solidFill>
-                  <a:srgbClr val="0070C0"/>
-                </a:solidFill>
-                <a:latin typeface="KoPubWorld돋움체 Bold" panose="00000800000000000000" pitchFamily="2" charset="-127"/>
-                <a:ea typeface="KoPubWorld돋움체 Bold" panose="00000800000000000000" pitchFamily="2" charset="-127"/>
-                <a:cs typeface="KoPubWorld돋움체 Bold" panose="00000800000000000000" pitchFamily="2" charset="-127"/>
-              </a:rPr>
-              <a:t>은 </a:t>
-            </a:r>
-            <a:r>
-              <a:rPr lang="en-US" altLang="ko-KR" dirty="0">
-                <a:solidFill>
-                  <a:srgbClr val="0070C0"/>
-                </a:solidFill>
-                <a:latin typeface="KoPubWorld돋움체 Bold" panose="00000800000000000000" pitchFamily="2" charset="-127"/>
-                <a:ea typeface="KoPubWorld돋움체 Bold" panose="00000800000000000000" pitchFamily="2" charset="-127"/>
-                <a:cs typeface="KoPubWorld돋움체 Bold" panose="00000800000000000000" pitchFamily="2" charset="-127"/>
-              </a:rPr>
-              <a:t>tap</a:t>
-            </a:r>
-            <a:r>
-              <a:rPr lang="ko-KR" altLang="en-US" dirty="0">
-                <a:solidFill>
-                  <a:srgbClr val="0070C0"/>
-                </a:solidFill>
-                <a:latin typeface="KoPubWorld돋움체 Bold" panose="00000800000000000000" pitchFamily="2" charset="-127"/>
-                <a:ea typeface="KoPubWorld돋움체 Bold" panose="00000800000000000000" pitchFamily="2" charset="-127"/>
-                <a:cs typeface="KoPubWorld돋움체 Bold" panose="00000800000000000000" pitchFamily="2" charset="-127"/>
-              </a:rPr>
-              <a:t>누른 효과</a:t>
-            </a:r>
-            <a:endParaRPr lang="en-US" altLang="ko-KR" dirty="0">
-              <a:solidFill>
-                <a:srgbClr val="0070C0"/>
-              </a:solidFill>
-              <a:latin typeface="KoPubWorld돋움체 Bold" panose="00000800000000000000" pitchFamily="2" charset="-127"/>
-              <a:ea typeface="KoPubWorld돋움체 Bold" panose="00000800000000000000" pitchFamily="2" charset="-127"/>
-              <a:cs typeface="KoPubWorld돋움체 Bold" panose="00000800000000000000" pitchFamily="2" charset="-127"/>
-            </a:endParaRPr>
-          </a:p>
-          <a:p>
-            <a:r>
-              <a:rPr lang="en-US" altLang="ko-KR" dirty="0" err="1">
-                <a:solidFill>
-                  <a:srgbClr val="0070C0"/>
-                </a:solidFill>
-                <a:latin typeface="KoPubWorld돋움체 Bold" panose="00000800000000000000" pitchFamily="2" charset="-127"/>
-                <a:ea typeface="KoPubWorld돋움체 Bold" panose="00000800000000000000" pitchFamily="2" charset="-127"/>
-                <a:cs typeface="KoPubWorld돋움체 Bold" panose="00000800000000000000" pitchFamily="2" charset="-127"/>
-              </a:rPr>
-              <a:t>leq</a:t>
-            </a:r>
-            <a:r>
-              <a:rPr lang="ko-KR" altLang="en-US" dirty="0">
-                <a:solidFill>
-                  <a:srgbClr val="0070C0"/>
-                </a:solidFill>
-                <a:latin typeface="KoPubWorld돋움체 Bold" panose="00000800000000000000" pitchFamily="2" charset="-127"/>
-                <a:ea typeface="KoPubWorld돋움체 Bold" panose="00000800000000000000" pitchFamily="2" charset="-127"/>
-                <a:cs typeface="KoPubWorld돋움체 Bold" panose="00000800000000000000" pitchFamily="2" charset="-127"/>
-              </a:rPr>
-              <a:t>는 </a:t>
-            </a:r>
-            <a:r>
-              <a:rPr lang="en-US" altLang="ko-KR" dirty="0">
-                <a:solidFill>
-                  <a:srgbClr val="0070C0"/>
-                </a:solidFill>
-                <a:latin typeface="KoPubWorld돋움체 Bold" panose="00000800000000000000" pitchFamily="2" charset="-127"/>
-                <a:ea typeface="KoPubWorld돋움체 Bold" panose="00000800000000000000" pitchFamily="2" charset="-127"/>
-                <a:cs typeface="KoPubWorld돋움체 Bold" panose="00000800000000000000" pitchFamily="2" charset="-127"/>
-              </a:rPr>
-              <a:t>&lt;=</a:t>
-            </a:r>
+            <a:endParaRPr lang="en-US" altLang="ko-KR" dirty="0"/>
           </a:p>
         </p:txBody>
       </p:sp>
       <p:pic>
         <p:nvPicPr>
-          <p:cNvPr id="18" name="그림 17">
-            <a:extLst>
-              <a:ext uri="{FF2B5EF4-FFF2-40B4-BE49-F238E27FC236}">
-                <a16:creationId xmlns:a16="http://schemas.microsoft.com/office/drawing/2014/main" id="{130E4B7F-B9AA-41C8-A5CA-A415BCE5A840}"/>
+          <p:cNvPr id="4" name="그림 3">
+            <a:extLst>
+              <a:ext uri="{FF2B5EF4-FFF2-40B4-BE49-F238E27FC236}">
+                <a16:creationId xmlns:a16="http://schemas.microsoft.com/office/drawing/2014/main" id="{50D1AF2D-310D-4779-AC71-F4DFA8FACF89}"/>
               </a:ext>
             </a:extLst>
           </p:cNvPr>
@@ -5771,8 +5578,8 @@
         </p:blipFill>
         <p:spPr>
           <a:xfrm>
-            <a:off x="322216" y="964397"/>
-            <a:ext cx="5202023" cy="2768619"/>
+            <a:off x="685800" y="689399"/>
+            <a:ext cx="4881179" cy="3192162"/>
           </a:xfrm>
           <a:prstGeom prst="rect">
             <a:avLst/>
@@ -5781,10 +5588,10 @@
       </p:pic>
       <p:pic>
         <p:nvPicPr>
-          <p:cNvPr id="20" name="그림 19">
-            <a:extLst>
-              <a:ext uri="{FF2B5EF4-FFF2-40B4-BE49-F238E27FC236}">
-                <a16:creationId xmlns:a16="http://schemas.microsoft.com/office/drawing/2014/main" id="{9E9D690D-B459-44C4-8D97-CEFD20F1B22C}"/>
+          <p:cNvPr id="12" name="그림 11">
+            <a:extLst>
+              <a:ext uri="{FF2B5EF4-FFF2-40B4-BE49-F238E27FC236}">
+                <a16:creationId xmlns:a16="http://schemas.microsoft.com/office/drawing/2014/main" id="{C6061B41-A00E-49F8-AB9F-3FE96A8A9A78}"/>
               </a:ext>
             </a:extLst>
           </p:cNvPr>
@@ -5807,8 +5614,8 @@
         </p:blipFill>
         <p:spPr>
           <a:xfrm>
-            <a:off x="6217919" y="259460"/>
-            <a:ext cx="5415719" cy="1905266"/>
+            <a:off x="536206" y="4261760"/>
+            <a:ext cx="5559794" cy="2148102"/>
           </a:xfrm>
           <a:prstGeom prst="rect">
             <a:avLst/>
@@ -5817,10 +5624,10 @@
       </p:pic>
       <p:pic>
         <p:nvPicPr>
-          <p:cNvPr id="22" name="그림 21">
-            <a:extLst>
-              <a:ext uri="{FF2B5EF4-FFF2-40B4-BE49-F238E27FC236}">
-                <a16:creationId xmlns:a16="http://schemas.microsoft.com/office/drawing/2014/main" id="{A4AA02CA-7534-491B-8BED-BA5ACB921E3C}"/>
+          <p:cNvPr id="14" name="그림 13">
+            <a:extLst>
+              <a:ext uri="{FF2B5EF4-FFF2-40B4-BE49-F238E27FC236}">
+                <a16:creationId xmlns:a16="http://schemas.microsoft.com/office/drawing/2014/main" id="{B68ABFB6-F905-49F8-A173-C0B23871E38F}"/>
               </a:ext>
             </a:extLst>
           </p:cNvPr>
@@ -5843,178 +5650,18 @@
         </p:blipFill>
         <p:spPr>
           <a:xfrm>
-            <a:off x="6319660" y="2239552"/>
-            <a:ext cx="4869841" cy="2378896"/>
+            <a:off x="6417104" y="448138"/>
+            <a:ext cx="5089096" cy="3433423"/>
           </a:xfrm>
           <a:prstGeom prst="rect">
             <a:avLst/>
           </a:prstGeom>
         </p:spPr>
       </p:pic>
-      <p:sp>
-        <p:nvSpPr>
-          <p:cNvPr id="23" name="직사각형 22">
-            <a:extLst>
-              <a:ext uri="{FF2B5EF4-FFF2-40B4-BE49-F238E27FC236}">
-                <a16:creationId xmlns:a16="http://schemas.microsoft.com/office/drawing/2014/main" id="{E0AB330D-E50E-4F47-9539-F8F9D3111B72}"/>
-              </a:ext>
-            </a:extLst>
-          </p:cNvPr>
-          <p:cNvSpPr/>
-          <p:nvPr/>
-        </p:nvSpPr>
-        <p:spPr>
-          <a:xfrm>
-            <a:off x="515267" y="2012214"/>
-            <a:ext cx="2184390" cy="487146"/>
-          </a:xfrm>
-          <a:prstGeom prst="rect">
-            <a:avLst/>
-          </a:prstGeom>
-          <a:noFill/>
-          <a:ln w="38100">
-            <a:solidFill>
-              <a:srgbClr val="C00000"/>
-            </a:solidFill>
-          </a:ln>
-        </p:spPr>
-        <p:style>
-          <a:lnRef idx="2">
-            <a:schemeClr val="accent1">
-              <a:shade val="50000"/>
-            </a:schemeClr>
-          </a:lnRef>
-          <a:fillRef idx="1">
-            <a:schemeClr val="accent1"/>
-          </a:fillRef>
-          <a:effectRef idx="0">
-            <a:schemeClr val="accent1"/>
-          </a:effectRef>
-          <a:fontRef idx="minor">
-            <a:schemeClr val="lt1"/>
-          </a:fontRef>
-        </p:style>
-        <p:txBody>
-          <a:bodyPr rtlCol="0" anchor="ctr"/>
-          <a:lstStyle/>
-          <a:p>
-            <a:pPr algn="ctr"/>
-            <a:endParaRPr lang="ko-KR" altLang="en-US"/>
-          </a:p>
-        </p:txBody>
-      </p:sp>
-      <p:sp>
-        <p:nvSpPr>
-          <p:cNvPr id="24" name="직사각형 23">
-            <a:extLst>
-              <a:ext uri="{FF2B5EF4-FFF2-40B4-BE49-F238E27FC236}">
-                <a16:creationId xmlns:a16="http://schemas.microsoft.com/office/drawing/2014/main" id="{A9A9F877-ED76-4525-B681-3586DE08A05C}"/>
-              </a:ext>
-            </a:extLst>
-          </p:cNvPr>
-          <p:cNvSpPr/>
-          <p:nvPr/>
-        </p:nvSpPr>
-        <p:spPr>
-          <a:xfrm>
-            <a:off x="6493701" y="960043"/>
-            <a:ext cx="2101659" cy="487146"/>
-          </a:xfrm>
-          <a:prstGeom prst="rect">
-            <a:avLst/>
-          </a:prstGeom>
-          <a:noFill/>
-          <a:ln w="38100">
-            <a:solidFill>
-              <a:srgbClr val="C00000"/>
-            </a:solidFill>
-          </a:ln>
-        </p:spPr>
-        <p:style>
-          <a:lnRef idx="2">
-            <a:schemeClr val="accent1">
-              <a:shade val="50000"/>
-            </a:schemeClr>
-          </a:lnRef>
-          <a:fillRef idx="1">
-            <a:schemeClr val="accent1"/>
-          </a:fillRef>
-          <a:effectRef idx="0">
-            <a:schemeClr val="accent1"/>
-          </a:effectRef>
-          <a:fontRef idx="minor">
-            <a:schemeClr val="lt1"/>
-          </a:fontRef>
-        </p:style>
-        <p:txBody>
-          <a:bodyPr rtlCol="0" anchor="ctr"/>
-          <a:lstStyle/>
-          <a:p>
-            <a:pPr algn="ctr"/>
-            <a:endParaRPr lang="ko-KR" altLang="en-US"/>
-          </a:p>
-        </p:txBody>
-      </p:sp>
-      <p:sp>
-        <p:nvSpPr>
-          <p:cNvPr id="25" name="직사각형 24">
-            <a:extLst>
-              <a:ext uri="{FF2B5EF4-FFF2-40B4-BE49-F238E27FC236}">
-                <a16:creationId xmlns:a16="http://schemas.microsoft.com/office/drawing/2014/main" id="{BA529DA2-C193-4DBA-8036-24EE3902244F}"/>
-              </a:ext>
-            </a:extLst>
-          </p:cNvPr>
-          <p:cNvSpPr/>
-          <p:nvPr/>
-        </p:nvSpPr>
-        <p:spPr>
-          <a:xfrm>
-            <a:off x="6493700" y="3124984"/>
-            <a:ext cx="2232289" cy="401987"/>
-          </a:xfrm>
-          <a:prstGeom prst="rect">
-            <a:avLst/>
-          </a:prstGeom>
-          <a:noFill/>
-          <a:ln w="38100">
-            <a:solidFill>
-              <a:srgbClr val="C00000"/>
-            </a:solidFill>
-          </a:ln>
-        </p:spPr>
-        <p:style>
-          <a:lnRef idx="2">
-            <a:schemeClr val="accent1">
-              <a:shade val="50000"/>
-            </a:schemeClr>
-          </a:lnRef>
-          <a:fillRef idx="1">
-            <a:schemeClr val="accent1"/>
-          </a:fillRef>
-          <a:effectRef idx="0">
-            <a:schemeClr val="accent1"/>
-          </a:effectRef>
-          <a:fontRef idx="minor">
-            <a:schemeClr val="lt1"/>
-          </a:fontRef>
-        </p:style>
-        <p:txBody>
-          <a:bodyPr rtlCol="0" anchor="ctr"/>
-          <a:lstStyle/>
-          <a:p>
-            <a:pPr algn="ctr"/>
-            <a:r>
-              <a:rPr lang="en-US" altLang="ko-KR" dirty="0"/>
-              <a:t> </a:t>
-            </a:r>
-            <a:endParaRPr lang="ko-KR" altLang="en-US" dirty="0"/>
-          </a:p>
-        </p:txBody>
-      </p:sp>
     </p:spTree>
     <p:extLst>
       <p:ext uri="{BB962C8B-B14F-4D97-AF65-F5344CB8AC3E}">
-        <p14:creationId xmlns:p14="http://schemas.microsoft.com/office/powerpoint/2010/main" val="778942924"/>
+        <p14:creationId xmlns:p14="http://schemas.microsoft.com/office/powerpoint/2010/main" val="1790335889"/>
       </p:ext>
     </p:extLst>
   </p:cSld>
@@ -6056,7 +5703,7 @@
         <p:spPr>
           <a:xfrm>
             <a:off x="92476" y="113825"/>
-            <a:ext cx="3869924" cy="369332"/>
+            <a:ext cx="5010747" cy="369332"/>
           </a:xfrm>
           <a:prstGeom prst="rect">
             <a:avLst/>
@@ -6071,20 +5718,21 @@
           <a:p>
             <a:r>
               <a:rPr lang="en-US" altLang="ko-KR" dirty="0"/>
-              <a:t>2018 1</a:t>
+              <a:t>2018 </a:t>
+            </a:r>
+            <a:r>
+              <a:rPr lang="ko-KR" altLang="en-US" dirty="0"/>
+              <a:t>동계</a:t>
+            </a:r>
+            <a:r>
+              <a:rPr lang="en-US" altLang="ko-KR" dirty="0"/>
+              <a:t>, 2017 1</a:t>
             </a:r>
             <a:r>
               <a:rPr lang="ko-KR" altLang="en-US" dirty="0"/>
               <a:t>학기</a:t>
             </a:r>
-            <a:r>
-              <a:rPr lang="en-US" altLang="ko-KR" dirty="0"/>
-              <a:t>, 2017 </a:t>
-            </a:r>
-            <a:r>
-              <a:rPr lang="ko-KR" altLang="en-US" dirty="0"/>
-              <a:t>동계</a:t>
-            </a:r>
+            <a:endParaRPr lang="en-US" altLang="ko-KR" dirty="0"/>
           </a:p>
         </p:txBody>
       </p:sp>
@@ -6093,7 +5741,7 @@
           <p:cNvPr id="3" name="그림 2">
             <a:extLst>
               <a:ext uri="{FF2B5EF4-FFF2-40B4-BE49-F238E27FC236}">
-                <a16:creationId xmlns:a16="http://schemas.microsoft.com/office/drawing/2014/main" id="{F7BFCCF1-1350-42C2-81F0-F0C09FD9EC92}"/>
+                <a16:creationId xmlns:a16="http://schemas.microsoft.com/office/drawing/2014/main" id="{38292A1B-BF19-4AE0-AECB-134173E9517F}"/>
               </a:ext>
             </a:extLst>
           </p:cNvPr>
@@ -6116,8 +5764,8 @@
         </p:blipFill>
         <p:spPr>
           <a:xfrm>
-            <a:off x="284348" y="548641"/>
-            <a:ext cx="5909634" cy="3762101"/>
+            <a:off x="92476" y="1438992"/>
+            <a:ext cx="5445690" cy="3036773"/>
           </a:xfrm>
           <a:prstGeom prst="rect">
             <a:avLst/>
@@ -6126,10 +5774,10 @@
       </p:pic>
       <p:pic>
         <p:nvPicPr>
-          <p:cNvPr id="5" name="그림 4">
-            <a:extLst>
-              <a:ext uri="{FF2B5EF4-FFF2-40B4-BE49-F238E27FC236}">
-                <a16:creationId xmlns:a16="http://schemas.microsoft.com/office/drawing/2014/main" id="{94DB9493-941A-4AD0-B3BB-F1D3450E0F25}"/>
+          <p:cNvPr id="6" name="그림 5">
+            <a:extLst>
+              <a:ext uri="{FF2B5EF4-FFF2-40B4-BE49-F238E27FC236}">
+                <a16:creationId xmlns:a16="http://schemas.microsoft.com/office/drawing/2014/main" id="{3235AE5F-F802-41D3-BEC2-E2EFB545A937}"/>
               </a:ext>
             </a:extLst>
           </p:cNvPr>
@@ -6152,344 +5800,18 @@
         </p:blipFill>
         <p:spPr>
           <a:xfrm>
-            <a:off x="6389906" y="483157"/>
-            <a:ext cx="4526060" cy="4034241"/>
+            <a:off x="6080028" y="1438992"/>
+            <a:ext cx="6019496" cy="2867443"/>
           </a:xfrm>
           <a:prstGeom prst="rect">
             <a:avLst/>
           </a:prstGeom>
         </p:spPr>
       </p:pic>
-      <p:sp>
-        <p:nvSpPr>
-          <p:cNvPr id="14" name="직사각형 13">
-            <a:extLst>
-              <a:ext uri="{FF2B5EF4-FFF2-40B4-BE49-F238E27FC236}">
-                <a16:creationId xmlns:a16="http://schemas.microsoft.com/office/drawing/2014/main" id="{30D9F440-9F8F-486E-9A40-E01305A8B13B}"/>
-              </a:ext>
-            </a:extLst>
-          </p:cNvPr>
-          <p:cNvSpPr/>
-          <p:nvPr/>
-        </p:nvSpPr>
-        <p:spPr>
-          <a:xfrm>
-            <a:off x="624123" y="3429001"/>
-            <a:ext cx="2780928" cy="315686"/>
-          </a:xfrm>
-          <a:prstGeom prst="rect">
-            <a:avLst/>
-          </a:prstGeom>
-          <a:noFill/>
-          <a:ln w="38100">
-            <a:solidFill>
-              <a:srgbClr val="C00000"/>
-            </a:solidFill>
-          </a:ln>
-        </p:spPr>
-        <p:style>
-          <a:lnRef idx="2">
-            <a:schemeClr val="accent1">
-              <a:shade val="50000"/>
-            </a:schemeClr>
-          </a:lnRef>
-          <a:fillRef idx="1">
-            <a:schemeClr val="accent1"/>
-          </a:fillRef>
-          <a:effectRef idx="0">
-            <a:schemeClr val="accent1"/>
-          </a:effectRef>
-          <a:fontRef idx="minor">
-            <a:schemeClr val="lt1"/>
-          </a:fontRef>
-        </p:style>
-        <p:txBody>
-          <a:bodyPr rtlCol="0" anchor="ctr"/>
-          <a:lstStyle/>
-          <a:p>
-            <a:pPr algn="ctr"/>
-            <a:r>
-              <a:rPr lang="en-US" altLang="ko-KR" dirty="0"/>
-              <a:t> </a:t>
-            </a:r>
-            <a:endParaRPr lang="ko-KR" altLang="en-US" dirty="0"/>
-          </a:p>
-        </p:txBody>
-      </p:sp>
-      <p:sp>
-        <p:nvSpPr>
-          <p:cNvPr id="15" name="직사각형 14">
-            <a:extLst>
-              <a:ext uri="{FF2B5EF4-FFF2-40B4-BE49-F238E27FC236}">
-                <a16:creationId xmlns:a16="http://schemas.microsoft.com/office/drawing/2014/main" id="{E2875275-C4A5-4245-BC8C-26659DDAB1FB}"/>
-              </a:ext>
-            </a:extLst>
-          </p:cNvPr>
-          <p:cNvSpPr/>
-          <p:nvPr/>
-        </p:nvSpPr>
-        <p:spPr>
-          <a:xfrm>
-            <a:off x="6533757" y="3586844"/>
-            <a:ext cx="2183523" cy="257989"/>
-          </a:xfrm>
-          <a:prstGeom prst="rect">
-            <a:avLst/>
-          </a:prstGeom>
-          <a:noFill/>
-          <a:ln w="38100">
-            <a:solidFill>
-              <a:srgbClr val="C00000"/>
-            </a:solidFill>
-          </a:ln>
-        </p:spPr>
-        <p:style>
-          <a:lnRef idx="2">
-            <a:schemeClr val="accent1">
-              <a:shade val="50000"/>
-            </a:schemeClr>
-          </a:lnRef>
-          <a:fillRef idx="1">
-            <a:schemeClr val="accent1"/>
-          </a:fillRef>
-          <a:effectRef idx="0">
-            <a:schemeClr val="accent1"/>
-          </a:effectRef>
-          <a:fontRef idx="minor">
-            <a:schemeClr val="lt1"/>
-          </a:fontRef>
-        </p:style>
-        <p:txBody>
-          <a:bodyPr rtlCol="0" anchor="ctr"/>
-          <a:lstStyle/>
-          <a:p>
-            <a:pPr algn="ctr"/>
-            <a:r>
-              <a:rPr lang="en-US" altLang="ko-KR" dirty="0"/>
-              <a:t> </a:t>
-            </a:r>
-            <a:endParaRPr lang="ko-KR" altLang="en-US" dirty="0"/>
-          </a:p>
-        </p:txBody>
-      </p:sp>
-      <p:sp>
-        <p:nvSpPr>
-          <p:cNvPr id="16" name="TextBox 15">
-            <a:extLst>
-              <a:ext uri="{FF2B5EF4-FFF2-40B4-BE49-F238E27FC236}">
-                <a16:creationId xmlns:a16="http://schemas.microsoft.com/office/drawing/2014/main" id="{F75B6D2A-9DE7-43DD-9769-937E97283F6B}"/>
-              </a:ext>
-            </a:extLst>
-          </p:cNvPr>
-          <p:cNvSpPr txBox="1"/>
-          <p:nvPr/>
-        </p:nvSpPr>
-        <p:spPr>
-          <a:xfrm>
-            <a:off x="5122227" y="4710691"/>
-            <a:ext cx="2143510" cy="1477328"/>
-          </a:xfrm>
-          <a:prstGeom prst="rect">
-            <a:avLst/>
-          </a:prstGeom>
-          <a:noFill/>
-        </p:spPr>
-        <p:txBody>
-          <a:bodyPr wrap="square" rtlCol="0">
-            <a:spAutoFit/>
-          </a:bodyPr>
-          <a:lstStyle/>
-          <a:p>
-            <a:r>
-              <a:rPr lang="en-US" altLang="ko-KR" dirty="0">
-                <a:solidFill>
-                  <a:srgbClr val="0070C0"/>
-                </a:solidFill>
-                <a:latin typeface="KoPubWorld돋움체 Bold" panose="00000800000000000000" pitchFamily="2" charset="-127"/>
-                <a:ea typeface="KoPubWorld돋움체 Bold" panose="00000800000000000000" pitchFamily="2" charset="-127"/>
-                <a:cs typeface="KoPubWorld돋움체 Bold" panose="00000800000000000000" pitchFamily="2" charset="-127"/>
-              </a:rPr>
-              <a:t>(114p)</a:t>
-            </a:r>
-          </a:p>
-          <a:p>
-            <a:r>
-              <a:rPr lang="en-US" altLang="ko-KR" dirty="0">
-                <a:solidFill>
-                  <a:srgbClr val="0070C0"/>
-                </a:solidFill>
-                <a:latin typeface="KoPubWorld돋움체 Bold" panose="00000800000000000000" pitchFamily="2" charset="-127"/>
-                <a:ea typeface="KoPubWorld돋움체 Bold" panose="00000800000000000000" pitchFamily="2" charset="-127"/>
-                <a:cs typeface="KoPubWorld돋움체 Bold" panose="00000800000000000000" pitchFamily="2" charset="-127"/>
-              </a:rPr>
-              <a:t>#</a:t>
-            </a:r>
-            <a:r>
-              <a:rPr lang="ko-KR" altLang="en-US" dirty="0">
-                <a:solidFill>
-                  <a:srgbClr val="0070C0"/>
-                </a:solidFill>
-                <a:latin typeface="KoPubWorld돋움체 Bold" panose="00000800000000000000" pitchFamily="2" charset="-127"/>
-                <a:ea typeface="KoPubWorld돋움체 Bold" panose="00000800000000000000" pitchFamily="2" charset="-127"/>
-                <a:cs typeface="KoPubWorld돋움체 Bold" panose="00000800000000000000" pitchFamily="2" charset="-127"/>
-              </a:rPr>
-              <a:t>은 </a:t>
-            </a:r>
-            <a:r>
-              <a:rPr lang="en-US" altLang="ko-KR" dirty="0">
-                <a:solidFill>
-                  <a:srgbClr val="0070C0"/>
-                </a:solidFill>
-                <a:latin typeface="KoPubWorld돋움체 Bold" panose="00000800000000000000" pitchFamily="2" charset="-127"/>
-                <a:ea typeface="KoPubWorld돋움체 Bold" panose="00000800000000000000" pitchFamily="2" charset="-127"/>
-                <a:cs typeface="KoPubWorld돋움체 Bold" panose="00000800000000000000" pitchFamily="2" charset="-127"/>
-              </a:rPr>
-              <a:t>enter</a:t>
-            </a:r>
-            <a:r>
-              <a:rPr lang="ko-KR" altLang="en-US" dirty="0">
-                <a:solidFill>
-                  <a:srgbClr val="0070C0"/>
-                </a:solidFill>
-                <a:latin typeface="KoPubWorld돋움체 Bold" panose="00000800000000000000" pitchFamily="2" charset="-127"/>
-                <a:ea typeface="KoPubWorld돋움체 Bold" panose="00000800000000000000" pitchFamily="2" charset="-127"/>
-                <a:cs typeface="KoPubWorld돋움체 Bold" panose="00000800000000000000" pitchFamily="2" charset="-127"/>
-              </a:rPr>
-              <a:t>누른 효과</a:t>
-            </a:r>
-            <a:endParaRPr lang="en-US" altLang="ko-KR" dirty="0">
-              <a:solidFill>
-                <a:srgbClr val="0070C0"/>
-              </a:solidFill>
-              <a:latin typeface="KoPubWorld돋움체 Bold" panose="00000800000000000000" pitchFamily="2" charset="-127"/>
-              <a:ea typeface="KoPubWorld돋움체 Bold" panose="00000800000000000000" pitchFamily="2" charset="-127"/>
-              <a:cs typeface="KoPubWorld돋움체 Bold" panose="00000800000000000000" pitchFamily="2" charset="-127"/>
-            </a:endParaRPr>
-          </a:p>
-          <a:p>
-            <a:r>
-              <a:rPr lang="en-US" altLang="ko-KR" dirty="0">
-                <a:solidFill>
-                  <a:srgbClr val="0070C0"/>
-                </a:solidFill>
-                <a:latin typeface="KoPubWorld돋움체 Bold" panose="00000800000000000000" pitchFamily="2" charset="-127"/>
-                <a:ea typeface="KoPubWorld돋움체 Bold" panose="00000800000000000000" pitchFamily="2" charset="-127"/>
-                <a:cs typeface="KoPubWorld돋움체 Bold" panose="00000800000000000000" pitchFamily="2" charset="-127"/>
-              </a:rPr>
-              <a:t>&amp;</a:t>
-            </a:r>
-            <a:r>
-              <a:rPr lang="ko-KR" altLang="en-US" dirty="0">
-                <a:solidFill>
-                  <a:srgbClr val="0070C0"/>
-                </a:solidFill>
-                <a:latin typeface="KoPubWorld돋움체 Bold" panose="00000800000000000000" pitchFamily="2" charset="-127"/>
-                <a:ea typeface="KoPubWorld돋움체 Bold" panose="00000800000000000000" pitchFamily="2" charset="-127"/>
-                <a:cs typeface="KoPubWorld돋움체 Bold" panose="00000800000000000000" pitchFamily="2" charset="-127"/>
-              </a:rPr>
-              <a:t>은 </a:t>
-            </a:r>
-            <a:r>
-              <a:rPr lang="en-US" altLang="ko-KR" dirty="0">
-                <a:solidFill>
-                  <a:srgbClr val="0070C0"/>
-                </a:solidFill>
-                <a:latin typeface="KoPubWorld돋움체 Bold" panose="00000800000000000000" pitchFamily="2" charset="-127"/>
-                <a:ea typeface="KoPubWorld돋움체 Bold" panose="00000800000000000000" pitchFamily="2" charset="-127"/>
-                <a:cs typeface="KoPubWorld돋움체 Bold" panose="00000800000000000000" pitchFamily="2" charset="-127"/>
-              </a:rPr>
-              <a:t>tap</a:t>
-            </a:r>
-            <a:r>
-              <a:rPr lang="ko-KR" altLang="en-US" dirty="0">
-                <a:solidFill>
-                  <a:srgbClr val="0070C0"/>
-                </a:solidFill>
-                <a:latin typeface="KoPubWorld돋움체 Bold" panose="00000800000000000000" pitchFamily="2" charset="-127"/>
-                <a:ea typeface="KoPubWorld돋움체 Bold" panose="00000800000000000000" pitchFamily="2" charset="-127"/>
-                <a:cs typeface="KoPubWorld돋움체 Bold" panose="00000800000000000000" pitchFamily="2" charset="-127"/>
-              </a:rPr>
-              <a:t>누른 효과</a:t>
-            </a:r>
-            <a:endParaRPr lang="en-US" altLang="ko-KR" dirty="0">
-              <a:solidFill>
-                <a:srgbClr val="0070C0"/>
-              </a:solidFill>
-              <a:latin typeface="KoPubWorld돋움체 Bold" panose="00000800000000000000" pitchFamily="2" charset="-127"/>
-              <a:ea typeface="KoPubWorld돋움체 Bold" panose="00000800000000000000" pitchFamily="2" charset="-127"/>
-              <a:cs typeface="KoPubWorld돋움체 Bold" panose="00000800000000000000" pitchFamily="2" charset="-127"/>
-            </a:endParaRPr>
-          </a:p>
-          <a:p>
-            <a:r>
-              <a:rPr lang="en-US" altLang="ko-KR" dirty="0">
-                <a:solidFill>
-                  <a:srgbClr val="0070C0"/>
-                </a:solidFill>
-                <a:latin typeface="KoPubWorld돋움체 Bold" panose="00000800000000000000" pitchFamily="2" charset="-127"/>
-                <a:ea typeface="KoPubWorld돋움체 Bold" panose="00000800000000000000" pitchFamily="2" charset="-127"/>
-                <a:cs typeface="KoPubWorld돋움체 Bold" panose="00000800000000000000" pitchFamily="2" charset="-127"/>
-              </a:rPr>
-              <a:t>over</a:t>
-            </a:r>
-            <a:r>
-              <a:rPr lang="ko-KR" altLang="en-US" dirty="0">
-                <a:solidFill>
-                  <a:srgbClr val="0070C0"/>
-                </a:solidFill>
-                <a:latin typeface="KoPubWorld돋움체 Bold" panose="00000800000000000000" pitchFamily="2" charset="-127"/>
-                <a:ea typeface="KoPubWorld돋움체 Bold" panose="00000800000000000000" pitchFamily="2" charset="-127"/>
-                <a:cs typeface="KoPubWorld돋움체 Bold" panose="00000800000000000000" pitchFamily="2" charset="-127"/>
-              </a:rPr>
-              <a:t>는 가로줄</a:t>
-            </a:r>
-            <a:endParaRPr lang="en-US" altLang="ko-KR" dirty="0">
-              <a:solidFill>
-                <a:srgbClr val="0070C0"/>
-              </a:solidFill>
-              <a:latin typeface="KoPubWorld돋움체 Bold" panose="00000800000000000000" pitchFamily="2" charset="-127"/>
-              <a:ea typeface="KoPubWorld돋움체 Bold" panose="00000800000000000000" pitchFamily="2" charset="-127"/>
-              <a:cs typeface="KoPubWorld돋움체 Bold" panose="00000800000000000000" pitchFamily="2" charset="-127"/>
-            </a:endParaRPr>
-          </a:p>
-          <a:p>
-            <a:r>
-              <a:rPr lang="en-US" altLang="ko-KR" dirty="0">
-                <a:solidFill>
-                  <a:srgbClr val="0070C0"/>
-                </a:solidFill>
-                <a:latin typeface="KoPubWorld돋움체 Bold" panose="00000800000000000000" pitchFamily="2" charset="-127"/>
-                <a:ea typeface="KoPubWorld돋움체 Bold" panose="00000800000000000000" pitchFamily="2" charset="-127"/>
-                <a:cs typeface="KoPubWorld돋움체 Bold" panose="00000800000000000000" pitchFamily="2" charset="-127"/>
-              </a:rPr>
-              <a:t>vert</a:t>
-            </a:r>
-            <a:r>
-              <a:rPr lang="ko-KR" altLang="en-US" dirty="0">
-                <a:solidFill>
-                  <a:srgbClr val="0070C0"/>
-                </a:solidFill>
-                <a:latin typeface="KoPubWorld돋움체 Bold" panose="00000800000000000000" pitchFamily="2" charset="-127"/>
-                <a:ea typeface="KoPubWorld돋움체 Bold" panose="00000800000000000000" pitchFamily="2" charset="-127"/>
-                <a:cs typeface="KoPubWorld돋움체 Bold" panose="00000800000000000000" pitchFamily="2" charset="-127"/>
-              </a:rPr>
-              <a:t>는 세로줄</a:t>
-            </a:r>
-            <a:endParaRPr lang="en-US" altLang="ko-KR" dirty="0">
-              <a:solidFill>
-                <a:srgbClr val="0070C0"/>
-              </a:solidFill>
-              <a:latin typeface="KoPubWorld돋움체 Bold" panose="00000800000000000000" pitchFamily="2" charset="-127"/>
-              <a:ea typeface="KoPubWorld돋움체 Bold" panose="00000800000000000000" pitchFamily="2" charset="-127"/>
-              <a:cs typeface="KoPubWorld돋움체 Bold" panose="00000800000000000000" pitchFamily="2" charset="-127"/>
-            </a:endParaRPr>
-          </a:p>
-        </p:txBody>
-      </p:sp>
     </p:spTree>
     <p:extLst>
       <p:ext uri="{BB962C8B-B14F-4D97-AF65-F5344CB8AC3E}">
-        <p14:creationId xmlns:p14="http://schemas.microsoft.com/office/powerpoint/2010/main" val="4261148200"/>
+        <p14:creationId xmlns:p14="http://schemas.microsoft.com/office/powerpoint/2010/main" val="1805734140"/>
       </p:ext>
     </p:extLst>
   </p:cSld>
@@ -6518,300 +5840,122 @@
       </p:grpSpPr>
       <p:sp>
         <p:nvSpPr>
-          <p:cNvPr id="11" name="TextBox 10">
-            <a:extLst>
-              <a:ext uri="{FF2B5EF4-FFF2-40B4-BE49-F238E27FC236}">
-                <a16:creationId xmlns:a16="http://schemas.microsoft.com/office/drawing/2014/main" id="{9E5CE124-DF38-4DA2-8711-48CAF6EBD1A3}"/>
-              </a:ext>
-            </a:extLst>
-          </p:cNvPr>
-          <p:cNvSpPr txBox="1"/>
-          <p:nvPr/>
-        </p:nvSpPr>
-        <p:spPr>
-          <a:xfrm>
-            <a:off x="92476" y="113825"/>
-            <a:ext cx="3869924" cy="369332"/>
-          </a:xfrm>
-          <a:prstGeom prst="rect">
-            <a:avLst/>
-          </a:prstGeom>
-          <a:noFill/>
-        </p:spPr>
-        <p:txBody>
-          <a:bodyPr wrap="square" rtlCol="0">
-            <a:spAutoFit/>
+          <p:cNvPr id="2" name="제목 1">
+            <a:extLst>
+              <a:ext uri="{FF2B5EF4-FFF2-40B4-BE49-F238E27FC236}">
+                <a16:creationId xmlns:a16="http://schemas.microsoft.com/office/drawing/2014/main" id="{9898FADE-B08E-484D-AF1B-2DD25A3FCC9A}"/>
+              </a:ext>
+            </a:extLst>
+          </p:cNvPr>
+          <p:cNvSpPr>
+            <a:spLocks noGrp="1"/>
+          </p:cNvSpPr>
+          <p:nvPr>
+            <p:ph type="ctrTitle"/>
+          </p:nvPr>
+        </p:nvSpPr>
+        <p:spPr/>
+        <p:txBody>
+          <a:bodyPr>
+            <a:normAutofit/>
           </a:bodyPr>
           <a:lstStyle/>
           <a:p>
             <a:r>
-              <a:rPr lang="en-US" altLang="ko-KR" dirty="0"/>
-              <a:t>2017 1</a:t>
-            </a:r>
-            <a:r>
-              <a:rPr lang="ko-KR" altLang="en-US" dirty="0"/>
-              <a:t>학기</a:t>
-            </a:r>
-          </a:p>
-        </p:txBody>
-      </p:sp>
-      <p:sp>
-        <p:nvSpPr>
-          <p:cNvPr id="16" name="TextBox 15">
-            <a:extLst>
-              <a:ext uri="{FF2B5EF4-FFF2-40B4-BE49-F238E27FC236}">
-                <a16:creationId xmlns:a16="http://schemas.microsoft.com/office/drawing/2014/main" id="{F75B6D2A-9DE7-43DD-9769-937E97283F6B}"/>
-              </a:ext>
-            </a:extLst>
-          </p:cNvPr>
-          <p:cNvSpPr txBox="1"/>
-          <p:nvPr/>
-        </p:nvSpPr>
-        <p:spPr>
-          <a:xfrm>
-            <a:off x="5122226" y="4710691"/>
-            <a:ext cx="2523899" cy="923330"/>
-          </a:xfrm>
-          <a:prstGeom prst="rect">
-            <a:avLst/>
-          </a:prstGeom>
-          <a:noFill/>
-        </p:spPr>
-        <p:txBody>
-          <a:bodyPr wrap="square" rtlCol="0">
-            <a:spAutoFit/>
-          </a:bodyPr>
-          <a:lstStyle/>
-          <a:p>
-            <a:r>
-              <a:rPr lang="en-US" altLang="ko-KR" dirty="0">
-                <a:solidFill>
-                  <a:srgbClr val="0070C0"/>
-                </a:solidFill>
+              <a:rPr lang="en-US" altLang="ko-KR" sz="5400" dirty="0">
                 <a:latin typeface="KoPubWorld돋움체 Bold" panose="00000800000000000000" pitchFamily="2" charset="-127"/>
                 <a:ea typeface="KoPubWorld돋움체 Bold" panose="00000800000000000000" pitchFamily="2" charset="-127"/>
                 <a:cs typeface="KoPubWorld돋움체 Bold" panose="00000800000000000000" pitchFamily="2" charset="-127"/>
               </a:rPr>
-              <a:t>(114p)</a:t>
-            </a:r>
-          </a:p>
-          <a:p>
-            <a:r>
-              <a:rPr lang="en-US" altLang="ko-KR" dirty="0">
-                <a:solidFill>
-                  <a:srgbClr val="0070C0"/>
-                </a:solidFill>
+              <a:t>attach-10</a:t>
+            </a:r>
+            <a:r>
+              <a:rPr lang="ko-KR" altLang="en-US" sz="5400" dirty="0">
                 <a:latin typeface="KoPubWorld돋움체 Bold" panose="00000800000000000000" pitchFamily="2" charset="-127"/>
                 <a:ea typeface="KoPubWorld돋움체 Bold" panose="00000800000000000000" pitchFamily="2" charset="-127"/>
                 <a:cs typeface="KoPubWorld돋움체 Bold" panose="00000800000000000000" pitchFamily="2" charset="-127"/>
               </a:rPr>
-              <a:t>cases</a:t>
-            </a:r>
-            <a:r>
-              <a:rPr lang="ko-KR" altLang="en-US" dirty="0">
-                <a:solidFill>
-                  <a:srgbClr val="0070C0"/>
-                </a:solidFill>
+              <a:t>문항</a:t>
+            </a:r>
+          </a:p>
+        </p:txBody>
+      </p:sp>
+      <p:sp>
+        <p:nvSpPr>
+          <p:cNvPr id="3" name="부제목 2">
+            <a:extLst>
+              <a:ext uri="{FF2B5EF4-FFF2-40B4-BE49-F238E27FC236}">
+                <a16:creationId xmlns:a16="http://schemas.microsoft.com/office/drawing/2014/main" id="{1210A9DB-7D71-4F44-8B9E-994F492BA402}"/>
+              </a:ext>
+            </a:extLst>
+          </p:cNvPr>
+          <p:cNvSpPr>
+            <a:spLocks noGrp="1"/>
+          </p:cNvSpPr>
+          <p:nvPr>
+            <p:ph type="subTitle" idx="1"/>
+          </p:nvPr>
+        </p:nvSpPr>
+        <p:spPr/>
+        <p:txBody>
+          <a:bodyPr/>
+          <a:lstStyle/>
+          <a:p>
+            <a:r>
+              <a:rPr lang="en-US" altLang="ko-KR" dirty="0">
                 <a:latin typeface="KoPubWorld돋움체 Bold" panose="00000800000000000000" pitchFamily="2" charset="-127"/>
                 <a:ea typeface="KoPubWorld돋움체 Bold" panose="00000800000000000000" pitchFamily="2" charset="-127"/>
                 <a:cs typeface="KoPubWorld돋움체 Bold" panose="00000800000000000000" pitchFamily="2" charset="-127"/>
               </a:rPr>
-              <a:t>는 </a:t>
-            </a:r>
-            <a:r>
-              <a:rPr lang="en-US" altLang="ko-KR" dirty="0">
-                <a:solidFill>
-                  <a:srgbClr val="0070C0"/>
-                </a:solidFill>
+              <a:t>12</a:t>
+            </a:r>
+            <a:r>
+              <a:rPr lang="ko-KR" altLang="en-US" dirty="0">
                 <a:latin typeface="KoPubWorld돋움체 Bold" panose="00000800000000000000" pitchFamily="2" charset="-127"/>
                 <a:ea typeface="KoPubWorld돋움체 Bold" panose="00000800000000000000" pitchFamily="2" charset="-127"/>
                 <a:cs typeface="KoPubWorld돋움체 Bold" panose="00000800000000000000" pitchFamily="2" charset="-127"/>
               </a:rPr>
-              <a:t>{</a:t>
-            </a:r>
-            <a:r>
-              <a:rPr lang="ko-KR" altLang="en-US" dirty="0">
-                <a:solidFill>
-                  <a:srgbClr val="0070C0"/>
-                </a:solidFill>
+              <a:t>장</a:t>
+            </a:r>
+            <a:r>
+              <a:rPr lang="en-US" altLang="ko-KR" dirty="0">
                 <a:latin typeface="KoPubWorld돋움체 Bold" panose="00000800000000000000" pitchFamily="2" charset="-127"/>
                 <a:ea typeface="KoPubWorld돋움체 Bold" panose="00000800000000000000" pitchFamily="2" charset="-127"/>
                 <a:cs typeface="KoPubWorld돋움체 Bold" panose="00000800000000000000" pitchFamily="2" charset="-127"/>
               </a:rPr>
-              <a:t>표시 </a:t>
-            </a:r>
-            <a:r>
-              <a:rPr lang="ko-KR" altLang="en-US" dirty="0" err="1">
-                <a:solidFill>
-                  <a:srgbClr val="0070C0"/>
-                </a:solidFill>
+              <a:t>, 13</a:t>
+            </a:r>
+            <a:r>
+              <a:rPr lang="ko-KR" altLang="en-US" dirty="0">
                 <a:latin typeface="KoPubWorld돋움체 Bold" panose="00000800000000000000" pitchFamily="2" charset="-127"/>
                 <a:ea typeface="KoPubWorld돋움체 Bold" panose="00000800000000000000" pitchFamily="2" charset="-127"/>
                 <a:cs typeface="KoPubWorld돋움체 Bold" panose="00000800000000000000" pitchFamily="2" charset="-127"/>
               </a:rPr>
-              <a:t>생기게함</a:t>
-            </a:r>
-            <a:endParaRPr lang="en-US" altLang="ko-KR" dirty="0">
-              <a:solidFill>
-                <a:srgbClr val="0070C0"/>
-              </a:solidFill>
-              <a:latin typeface="KoPubWorld돋움체 Bold" panose="00000800000000000000" pitchFamily="2" charset="-127"/>
-              <a:ea typeface="KoPubWorld돋움체 Bold" panose="00000800000000000000" pitchFamily="2" charset="-127"/>
-              <a:cs typeface="KoPubWorld돋움체 Bold" panose="00000800000000000000" pitchFamily="2" charset="-127"/>
-            </a:endParaRPr>
-          </a:p>
-          <a:p>
+              <a:t>장 </a:t>
+            </a:r>
             <a:r>
               <a:rPr lang="en-US" altLang="ko-KR" dirty="0">
-                <a:solidFill>
-                  <a:srgbClr val="0070C0"/>
-                </a:solidFill>
                 <a:latin typeface="KoPubWorld돋움체 Bold" panose="00000800000000000000" pitchFamily="2" charset="-127"/>
                 <a:ea typeface="KoPubWorld돋움체 Bold" panose="00000800000000000000" pitchFamily="2" charset="-127"/>
                 <a:cs typeface="KoPubWorld돋움체 Bold" panose="00000800000000000000" pitchFamily="2" charset="-127"/>
               </a:rPr>
-              <a:t>#</a:t>
-            </a:r>
-            <a:r>
-              <a:rPr lang="ko-KR" altLang="en-US">
-                <a:solidFill>
-                  <a:srgbClr val="0070C0"/>
-                </a:solidFill>
+              <a:t>– R</a:t>
+            </a:r>
+            <a:r>
+              <a:rPr lang="ko-KR" altLang="en-US" dirty="0">
                 <a:latin typeface="KoPubWorld돋움체 Bold" panose="00000800000000000000" pitchFamily="2" charset="-127"/>
                 <a:ea typeface="KoPubWorld돋움체 Bold" panose="00000800000000000000" pitchFamily="2" charset="-127"/>
                 <a:cs typeface="KoPubWorld돋움체 Bold" panose="00000800000000000000" pitchFamily="2" charset="-127"/>
               </a:rPr>
-              <a:t>은 </a:t>
-            </a:r>
-            <a:r>
-              <a:rPr lang="en-US" altLang="ko-KR">
-                <a:solidFill>
-                  <a:srgbClr val="0070C0"/>
-                </a:solidFill>
-                <a:latin typeface="KoPubWorld돋움체 Bold" panose="00000800000000000000" pitchFamily="2" charset="-127"/>
-                <a:ea typeface="KoPubWorld돋움체 Bold" panose="00000800000000000000" pitchFamily="2" charset="-127"/>
-                <a:cs typeface="KoPubWorld돋움체 Bold" panose="00000800000000000000" pitchFamily="2" charset="-127"/>
-              </a:rPr>
-              <a:t>enter</a:t>
-            </a:r>
-            <a:r>
-              <a:rPr lang="ko-KR" altLang="en-US">
-                <a:solidFill>
-                  <a:srgbClr val="0070C0"/>
-                </a:solidFill>
-                <a:latin typeface="KoPubWorld돋움체 Bold" panose="00000800000000000000" pitchFamily="2" charset="-127"/>
-                <a:ea typeface="KoPubWorld돋움체 Bold" panose="00000800000000000000" pitchFamily="2" charset="-127"/>
-                <a:cs typeface="KoPubWorld돋움체 Bold" panose="00000800000000000000" pitchFamily="2" charset="-127"/>
-              </a:rPr>
-              <a:t>누른 효과</a:t>
-            </a:r>
-            <a:endParaRPr lang="en-US" altLang="ko-KR" dirty="0">
-              <a:solidFill>
-                <a:srgbClr val="0070C0"/>
-              </a:solidFill>
-              <a:latin typeface="KoPubWorld돋움체 Bold" panose="00000800000000000000" pitchFamily="2" charset="-127"/>
-              <a:ea typeface="KoPubWorld돋움체 Bold" panose="00000800000000000000" pitchFamily="2" charset="-127"/>
-              <a:cs typeface="KoPubWorld돋움체 Bold" panose="00000800000000000000" pitchFamily="2" charset="-127"/>
-            </a:endParaRPr>
-          </a:p>
-        </p:txBody>
-      </p:sp>
-      <p:pic>
-        <p:nvPicPr>
-          <p:cNvPr id="4" name="그림 3">
-            <a:extLst>
-              <a:ext uri="{FF2B5EF4-FFF2-40B4-BE49-F238E27FC236}">
-                <a16:creationId xmlns:a16="http://schemas.microsoft.com/office/drawing/2014/main" id="{D2E0A5F4-C47E-4500-A36C-9DD8F20D2480}"/>
-              </a:ext>
-            </a:extLst>
-          </p:cNvPr>
-          <p:cNvPicPr>
-            <a:picLocks noChangeAspect="1"/>
-          </p:cNvPicPr>
-          <p:nvPr/>
-        </p:nvPicPr>
-        <p:blipFill>
-          <a:blip r:embed="rId2">
-            <a:extLst>
-              <a:ext uri="{28A0092B-C50C-407E-A947-70E740481C1C}">
-                <a14:useLocalDpi xmlns:a14="http://schemas.microsoft.com/office/drawing/2010/main" val="0"/>
-              </a:ext>
-            </a:extLst>
-          </a:blip>
-          <a:stretch>
-            <a:fillRect/>
-          </a:stretch>
-        </p:blipFill>
-        <p:spPr>
-          <a:xfrm>
-            <a:off x="2678452" y="1048465"/>
-            <a:ext cx="7087838" cy="3032817"/>
-          </a:xfrm>
-          <a:prstGeom prst="rect">
-            <a:avLst/>
-          </a:prstGeom>
-        </p:spPr>
-      </p:pic>
-      <p:sp>
-        <p:nvSpPr>
-          <p:cNvPr id="10" name="직사각형 9">
-            <a:extLst>
-              <a:ext uri="{FF2B5EF4-FFF2-40B4-BE49-F238E27FC236}">
-                <a16:creationId xmlns:a16="http://schemas.microsoft.com/office/drawing/2014/main" id="{FF384120-6D60-4641-BB33-DA01358707B5}"/>
-              </a:ext>
-            </a:extLst>
-          </p:cNvPr>
-          <p:cNvSpPr/>
-          <p:nvPr/>
-        </p:nvSpPr>
-        <p:spPr>
-          <a:xfrm>
-            <a:off x="6096000" y="3734890"/>
-            <a:ext cx="1776549" cy="257989"/>
-          </a:xfrm>
-          <a:prstGeom prst="rect">
-            <a:avLst/>
-          </a:prstGeom>
-          <a:noFill/>
-          <a:ln w="38100">
-            <a:solidFill>
-              <a:srgbClr val="C00000"/>
-            </a:solidFill>
-          </a:ln>
-        </p:spPr>
-        <p:style>
-          <a:lnRef idx="2">
-            <a:schemeClr val="accent1">
-              <a:shade val="50000"/>
-            </a:schemeClr>
-          </a:lnRef>
-          <a:fillRef idx="1">
-            <a:schemeClr val="accent1"/>
-          </a:fillRef>
-          <a:effectRef idx="0">
-            <a:schemeClr val="accent1"/>
-          </a:effectRef>
-          <a:fontRef idx="minor">
-            <a:schemeClr val="lt1"/>
-          </a:fontRef>
-        </p:style>
-        <p:txBody>
-          <a:bodyPr rtlCol="0" anchor="ctr"/>
-          <a:lstStyle/>
-          <a:p>
-            <a:pPr algn="ctr"/>
-            <a:r>
-              <a:rPr lang="en-US" altLang="ko-KR" dirty="0"/>
-              <a:t> </a:t>
-            </a:r>
-            <a:endParaRPr lang="ko-KR" altLang="en-US" dirty="0"/>
+              <a:t>을 활용한 자료분석</a:t>
+            </a:r>
           </a:p>
         </p:txBody>
       </p:sp>
     </p:spTree>
     <p:extLst>
       <p:ext uri="{BB962C8B-B14F-4D97-AF65-F5344CB8AC3E}">
-        <p14:creationId xmlns:p14="http://schemas.microsoft.com/office/powerpoint/2010/main" val="3596236606"/>
+        <p14:creationId xmlns:p14="http://schemas.microsoft.com/office/powerpoint/2010/main" val="2058523671"/>
       </p:ext>
     </p:extLst>
   </p:cSld>
